--- a/Document/slide/Job-rec-slide.pptx
+++ b/Document/slide/Job-rec-slide.pptx
@@ -221,7 +221,7 @@
           <a:p>
             <a:fld id="{A37B6CB2-F58A-4705-B590-52A54200B10C}" type="datetimeFigureOut">
               <a:rPr lang="en-US" smtClean="0"/>
-              <a:t>01/10/2015</a:t>
+              <a:t>01-Oct-15</a:t>
             </a:fld>
             <a:endParaRPr lang="en-US"/>
           </a:p>
@@ -883,7 +883,7 @@
           <a:p>
             <a:fld id="{7CAD5CD7-1429-41A0-9EEC-F1BD8695CC85}" type="datetimeFigureOut">
               <a:rPr lang="en-US" smtClean="0"/>
-              <a:t>01/10/2015</a:t>
+              <a:t>01-Oct-15</a:t>
             </a:fld>
             <a:endParaRPr lang="en-US"/>
           </a:p>
@@ -1132,7 +1132,7 @@
           <a:p>
             <a:fld id="{7CAD5CD7-1429-41A0-9EEC-F1BD8695CC85}" type="datetimeFigureOut">
               <a:rPr lang="en-US" smtClean="0"/>
-              <a:t>01/10/2015</a:t>
+              <a:t>01-Oct-15</a:t>
             </a:fld>
             <a:endParaRPr lang="en-US"/>
           </a:p>
@@ -1388,7 +1388,7 @@
           <a:p>
             <a:fld id="{7CAD5CD7-1429-41A0-9EEC-F1BD8695CC85}" type="datetimeFigureOut">
               <a:rPr lang="en-US" smtClean="0"/>
-              <a:t>01/10/2015</a:t>
+              <a:t>01-Oct-15</a:t>
             </a:fld>
             <a:endParaRPr lang="en-US"/>
           </a:p>
@@ -1558,7 +1558,7 @@
           <a:p>
             <a:fld id="{7CAD5CD7-1429-41A0-9EEC-F1BD8695CC85}" type="datetimeFigureOut">
               <a:rPr lang="en-US" smtClean="0"/>
-              <a:t>01/10/2015</a:t>
+              <a:t>01-Oct-15</a:t>
             </a:fld>
             <a:endParaRPr lang="en-US"/>
           </a:p>
@@ -1934,7 +1934,7 @@
           <a:p>
             <a:fld id="{7CAD5CD7-1429-41A0-9EEC-F1BD8695CC85}" type="datetimeFigureOut">
               <a:rPr lang="en-US" smtClean="0"/>
-              <a:t>01/10/2015</a:t>
+              <a:t>01-Oct-15</a:t>
             </a:fld>
             <a:endParaRPr lang="en-US"/>
           </a:p>
@@ -2250,7 +2250,7 @@
           <a:p>
             <a:fld id="{7CAD5CD7-1429-41A0-9EEC-F1BD8695CC85}" type="datetimeFigureOut">
               <a:rPr lang="en-US" smtClean="0"/>
-              <a:t>01/10/2015</a:t>
+              <a:t>01-Oct-15</a:t>
             </a:fld>
             <a:endParaRPr lang="en-US"/>
           </a:p>
@@ -2670,7 +2670,7 @@
           <a:p>
             <a:fld id="{7CAD5CD7-1429-41A0-9EEC-F1BD8695CC85}" type="datetimeFigureOut">
               <a:rPr lang="en-US" smtClean="0"/>
-              <a:t>01/10/2015</a:t>
+              <a:t>01-Oct-15</a:t>
             </a:fld>
             <a:endParaRPr lang="en-US"/>
           </a:p>
@@ -2829,7 +2829,7 @@
           <a:p>
             <a:fld id="{7CAD5CD7-1429-41A0-9EEC-F1BD8695CC85}" type="datetimeFigureOut">
               <a:rPr lang="en-US" smtClean="0"/>
-              <a:t>01/10/2015</a:t>
+              <a:t>01-Oct-15</a:t>
             </a:fld>
             <a:endParaRPr lang="en-US"/>
           </a:p>
@@ -3000,7 +3000,7 @@
           <a:p>
             <a:fld id="{7CAD5CD7-1429-41A0-9EEC-F1BD8695CC85}" type="datetimeFigureOut">
               <a:rPr lang="en-US" smtClean="0"/>
-              <a:t>01/10/2015</a:t>
+              <a:t>01-Oct-15</a:t>
             </a:fld>
             <a:endParaRPr lang="en-US"/>
           </a:p>
@@ -3395,7 +3395,7 @@
           <a:p>
             <a:fld id="{7CAD5CD7-1429-41A0-9EEC-F1BD8695CC85}" type="datetimeFigureOut">
               <a:rPr lang="en-US" smtClean="0"/>
-              <a:t>01/10/2015</a:t>
+              <a:t>01-Oct-15</a:t>
             </a:fld>
             <a:endParaRPr lang="en-US"/>
           </a:p>
@@ -3813,7 +3813,7 @@
           <a:p>
             <a:fld id="{7CAD5CD7-1429-41A0-9EEC-F1BD8695CC85}" type="datetimeFigureOut">
               <a:rPr lang="en-US" smtClean="0"/>
-              <a:t>01/10/2015</a:t>
+              <a:t>01-Oct-15</a:t>
             </a:fld>
             <a:endParaRPr lang="en-US"/>
           </a:p>
@@ -4144,7 +4144,7 @@
           <a:p>
             <a:fld id="{7CAD5CD7-1429-41A0-9EEC-F1BD8695CC85}" type="datetimeFigureOut">
               <a:rPr lang="en-US" smtClean="0"/>
-              <a:t>01/10/2015</a:t>
+              <a:t>01-Oct-15</a:t>
             </a:fld>
             <a:endParaRPr lang="en-US"/>
           </a:p>
@@ -4721,18 +4721,7 @@
                 </a:solidFill>
                 <a:effectLst/>
               </a:rPr>
-              <a:t>Job </a:t>
-            </a:r>
-            <a:r>
-              <a:rPr lang="en-US" sz="6600" b="1" dirty="0" smtClean="0">
-                <a:solidFill>
-                  <a:schemeClr val="accent4">
-                    <a:lumMod val="50000"/>
-                  </a:schemeClr>
-                </a:solidFill>
-                <a:effectLst/>
-              </a:rPr>
-              <a:t>Recommendation System</a:t>
+              <a:t>Job Recommendation System</a:t>
             </a:r>
             <a:endParaRPr lang="en-US" sz="6600" b="1" dirty="0">
               <a:solidFill>
@@ -4797,7 +4786,7 @@
         <p:spPr>
           <a:xfrm>
             <a:off x="838200" y="4541565"/>
-            <a:ext cx="2873415" cy="1200329"/>
+            <a:ext cx="2925416" cy="1200329"/>
           </a:xfrm>
           <a:prstGeom prst="rect">
             <a:avLst/>
@@ -4811,27 +4800,45 @@
           <a:lstStyle/>
           <a:p>
             <a:r>
-              <a:rPr lang="en-US" dirty="0" err="1" smtClean="0"/>
+              <a:rPr lang="en-US" dirty="0" err="1" smtClean="0">
+                <a:latin typeface="Times New Roman" panose="02020603050405020304" pitchFamily="18" charset="0"/>
+                <a:cs typeface="Times New Roman" panose="02020603050405020304" pitchFamily="18" charset="0"/>
+              </a:rPr>
               <a:t>Thực</a:t>
             </a:r>
             <a:r>
-              <a:rPr lang="en-US" dirty="0" smtClean="0"/>
+              <a:rPr lang="en-US" dirty="0" smtClean="0">
+                <a:latin typeface="Times New Roman" panose="02020603050405020304" pitchFamily="18" charset="0"/>
+                <a:cs typeface="Times New Roman" panose="02020603050405020304" pitchFamily="18" charset="0"/>
+              </a:rPr>
               <a:t> </a:t>
             </a:r>
             <a:r>
-              <a:rPr lang="en-US" dirty="0" err="1" smtClean="0"/>
+              <a:rPr lang="en-US" dirty="0" err="1" smtClean="0">
+                <a:latin typeface="Times New Roman" panose="02020603050405020304" pitchFamily="18" charset="0"/>
+                <a:cs typeface="Times New Roman" panose="02020603050405020304" pitchFamily="18" charset="0"/>
+              </a:rPr>
               <a:t>hiện</a:t>
             </a:r>
             <a:r>
-              <a:rPr lang="en-US" dirty="0" smtClean="0"/>
+              <a:rPr lang="en-US" dirty="0" smtClean="0">
+                <a:latin typeface="Times New Roman" panose="02020603050405020304" pitchFamily="18" charset="0"/>
+                <a:cs typeface="Times New Roman" panose="02020603050405020304" pitchFamily="18" charset="0"/>
+              </a:rPr>
               <a:t> </a:t>
             </a:r>
             <a:r>
-              <a:rPr lang="en-US" dirty="0" err="1" smtClean="0"/>
+              <a:rPr lang="en-US" dirty="0" err="1" smtClean="0">
+                <a:latin typeface="Times New Roman" panose="02020603050405020304" pitchFamily="18" charset="0"/>
+                <a:cs typeface="Times New Roman" panose="02020603050405020304" pitchFamily="18" charset="0"/>
+              </a:rPr>
               <a:t>bởi</a:t>
             </a:r>
             <a:r>
-              <a:rPr lang="en-US" dirty="0" smtClean="0"/>
+              <a:rPr lang="en-US" dirty="0" smtClean="0">
+                <a:latin typeface="Times New Roman" panose="02020603050405020304" pitchFamily="18" charset="0"/>
+                <a:cs typeface="Times New Roman" panose="02020603050405020304" pitchFamily="18" charset="0"/>
+              </a:rPr>
               <a:t> </a:t>
             </a:r>
           </a:p>
@@ -4841,18 +4848,30 @@
               <a:buChar char="-"/>
             </a:pPr>
             <a:r>
-              <a:rPr lang="en-US" dirty="0" err="1" smtClean="0"/>
+              <a:rPr lang="en-US" dirty="0" err="1" smtClean="0">
+                <a:latin typeface="Times New Roman" panose="02020603050405020304" pitchFamily="18" charset="0"/>
+                <a:cs typeface="Times New Roman" panose="02020603050405020304" pitchFamily="18" charset="0"/>
+              </a:rPr>
               <a:t>Trần</a:t>
             </a:r>
             <a:r>
-              <a:rPr lang="en-US" dirty="0" smtClean="0"/>
+              <a:rPr lang="en-US" dirty="0" smtClean="0">
+                <a:latin typeface="Times New Roman" panose="02020603050405020304" pitchFamily="18" charset="0"/>
+                <a:cs typeface="Times New Roman" panose="02020603050405020304" pitchFamily="18" charset="0"/>
+              </a:rPr>
               <a:t> Minh </a:t>
             </a:r>
             <a:r>
-              <a:rPr lang="en-US" dirty="0" err="1" smtClean="0"/>
+              <a:rPr lang="en-US" dirty="0" err="1" smtClean="0">
+                <a:latin typeface="Times New Roman" panose="02020603050405020304" pitchFamily="18" charset="0"/>
+                <a:cs typeface="Times New Roman" panose="02020603050405020304" pitchFamily="18" charset="0"/>
+              </a:rPr>
               <a:t>Luận</a:t>
             </a:r>
-            <a:endParaRPr lang="en-US" dirty="0" smtClean="0"/>
+            <a:endParaRPr lang="en-US" dirty="0" smtClean="0">
+              <a:latin typeface="Times New Roman" panose="02020603050405020304" pitchFamily="18" charset="0"/>
+              <a:cs typeface="Times New Roman" panose="02020603050405020304" pitchFamily="18" charset="0"/>
+            </a:endParaRPr>
           </a:p>
           <a:p>
             <a:pPr marL="285750" indent="-285750">
@@ -4860,26 +4879,51 @@
               <a:buChar char="-"/>
             </a:pPr>
             <a:r>
-              <a:rPr lang="en-US" dirty="0" err="1" smtClean="0"/>
+              <a:rPr lang="en-US" dirty="0" err="1" smtClean="0">
+                <a:latin typeface="Times New Roman" panose="02020603050405020304" pitchFamily="18" charset="0"/>
+                <a:cs typeface="Times New Roman" panose="02020603050405020304" pitchFamily="18" charset="0"/>
+              </a:rPr>
               <a:t>Hô</a:t>
             </a:r>
             <a:r>
-              <a:rPr lang="en-US" dirty="0" smtClean="0"/>
+              <a:rPr lang="en-US" dirty="0" smtClean="0">
+                <a:latin typeface="Times New Roman" panose="02020603050405020304" pitchFamily="18" charset="0"/>
+                <a:cs typeface="Times New Roman" panose="02020603050405020304" pitchFamily="18" charset="0"/>
+              </a:rPr>
               <a:t>̀ </a:t>
             </a:r>
             <a:r>
-              <a:rPr lang="en-US" dirty="0" err="1" smtClean="0"/>
-              <a:t>Thi</a:t>
-            </a:r>
-            <a:r>
-              <a:rPr lang="en-US" dirty="0" smtClean="0"/>
-              <a:t>̣ Thanh </a:t>
-            </a:r>
-            <a:r>
-              <a:rPr lang="en-US" dirty="0" err="1" smtClean="0"/>
+              <a:rPr lang="en-US" smtClean="0">
+                <a:latin typeface="Times New Roman" panose="02020603050405020304" pitchFamily="18" charset="0"/>
+                <a:cs typeface="Times New Roman" panose="02020603050405020304" pitchFamily="18" charset="0"/>
+              </a:rPr>
+              <a:t>Thị</a:t>
+            </a:r>
+            <a:r>
+              <a:rPr lang="en-US" smtClean="0">
+                <a:latin typeface="Times New Roman" panose="02020603050405020304" pitchFamily="18" charset="0"/>
+                <a:cs typeface="Times New Roman" panose="02020603050405020304" pitchFamily="18" charset="0"/>
+              </a:rPr>
+              <a:t> </a:t>
+            </a:r>
+            <a:r>
+              <a:rPr lang="en-US" dirty="0" smtClean="0">
+                <a:latin typeface="Times New Roman" panose="02020603050405020304" pitchFamily="18" charset="0"/>
+                <a:cs typeface="Times New Roman" panose="02020603050405020304" pitchFamily="18" charset="0"/>
+              </a:rPr>
+              <a:t>Thanh </a:t>
+            </a:r>
+            <a:r>
+              <a:rPr lang="en-US" dirty="0" err="1" smtClean="0">
+                <a:latin typeface="Times New Roman" panose="02020603050405020304" pitchFamily="18" charset="0"/>
+                <a:cs typeface="Times New Roman" panose="02020603050405020304" pitchFamily="18" charset="0"/>
+              </a:rPr>
               <a:t>Thảo</a:t>
             </a:r>
-            <a:endParaRPr lang="en-US" dirty="0" smtClean="0"/>
+            <a:endParaRPr lang="en-US" dirty="0" smtClean="0">
+              <a:latin typeface="Times New Roman" panose="02020603050405020304" pitchFamily="18" charset="0"/>
+              <a:cs typeface="Times New Roman" panose="02020603050405020304" pitchFamily="18" charset="0"/>
+            </a:endParaRPr>
           </a:p>
           <a:p>
             <a:pPr marL="285750" indent="-285750">
@@ -4887,18 +4931,30 @@
               <a:buChar char="-"/>
             </a:pPr>
             <a:r>
-              <a:rPr lang="en-US" dirty="0" err="1" smtClean="0"/>
+              <a:rPr lang="en-US" dirty="0" err="1" smtClean="0">
+                <a:latin typeface="Times New Roman" panose="02020603050405020304" pitchFamily="18" charset="0"/>
+                <a:cs typeface="Times New Roman" panose="02020603050405020304" pitchFamily="18" charset="0"/>
+              </a:rPr>
               <a:t>Nguyễn</a:t>
             </a:r>
             <a:r>
-              <a:rPr lang="en-US" dirty="0" smtClean="0"/>
+              <a:rPr lang="en-US" dirty="0" smtClean="0">
+                <a:latin typeface="Times New Roman" panose="02020603050405020304" pitchFamily="18" charset="0"/>
+                <a:cs typeface="Times New Roman" panose="02020603050405020304" pitchFamily="18" charset="0"/>
+              </a:rPr>
               <a:t> Thanh Anh </a:t>
             </a:r>
             <a:r>
-              <a:rPr lang="en-US" dirty="0" err="1" smtClean="0"/>
+              <a:rPr lang="en-US" dirty="0" err="1" smtClean="0">
+                <a:latin typeface="Times New Roman" panose="02020603050405020304" pitchFamily="18" charset="0"/>
+                <a:cs typeface="Times New Roman" panose="02020603050405020304" pitchFamily="18" charset="0"/>
+              </a:rPr>
               <a:t>Tuyên</a:t>
             </a:r>
-            <a:endParaRPr lang="en-US" dirty="0"/>
+            <a:endParaRPr lang="en-US" dirty="0">
+              <a:latin typeface="Times New Roman" panose="02020603050405020304" pitchFamily="18" charset="0"/>
+              <a:cs typeface="Times New Roman" panose="02020603050405020304" pitchFamily="18" charset="0"/>
+            </a:endParaRPr>
           </a:p>
         </p:txBody>
       </p:sp>
@@ -5018,18 +5074,30 @@
           <a:lstStyle/>
           <a:p>
             <a:r>
-              <a:rPr lang="en-US" dirty="0" err="1" smtClean="0"/>
+              <a:rPr lang="en-US" dirty="0" err="1" smtClean="0">
+                <a:latin typeface="Times New Roman" panose="02020603050405020304" pitchFamily="18" charset="0"/>
+                <a:cs typeface="Times New Roman" panose="02020603050405020304" pitchFamily="18" charset="0"/>
+              </a:rPr>
               <a:t>Các</a:t>
             </a:r>
             <a:r>
-              <a:rPr lang="en-US" dirty="0" smtClean="0"/>
+              <a:rPr lang="en-US" dirty="0" smtClean="0">
+                <a:latin typeface="Times New Roman" panose="02020603050405020304" pitchFamily="18" charset="0"/>
+                <a:cs typeface="Times New Roman" panose="02020603050405020304" pitchFamily="18" charset="0"/>
+              </a:rPr>
               <a:t> module </a:t>
             </a:r>
             <a:r>
-              <a:rPr lang="en-US" dirty="0" err="1" smtClean="0"/>
+              <a:rPr lang="en-US" dirty="0" err="1" smtClean="0">
+                <a:latin typeface="Times New Roman" panose="02020603050405020304" pitchFamily="18" charset="0"/>
+                <a:cs typeface="Times New Roman" panose="02020603050405020304" pitchFamily="18" charset="0"/>
+              </a:rPr>
               <a:t>chính</a:t>
             </a:r>
-            <a:endParaRPr lang="en-US" dirty="0"/>
+            <a:endParaRPr lang="en-US" dirty="0">
+              <a:latin typeface="Times New Roman" panose="02020603050405020304" pitchFamily="18" charset="0"/>
+              <a:cs typeface="Times New Roman" panose="02020603050405020304" pitchFamily="18" charset="0"/>
+            </a:endParaRPr>
           </a:p>
         </p:txBody>
       </p:sp>
@@ -5053,46 +5121,79 @@
               <a:buChar char="Ø"/>
             </a:pPr>
             <a:r>
-              <a:rPr lang="en-US" dirty="0" smtClean="0"/>
+              <a:rPr lang="en-US" dirty="0" smtClean="0">
+                <a:latin typeface="Times New Roman" panose="02020603050405020304" pitchFamily="18" charset="0"/>
+                <a:cs typeface="Times New Roman" panose="02020603050405020304" pitchFamily="18" charset="0"/>
+              </a:rPr>
               <a:t>Module </a:t>
             </a:r>
             <a:r>
-              <a:rPr lang="en-US" dirty="0" err="1" smtClean="0"/>
+              <a:rPr lang="en-US" dirty="0" err="1" smtClean="0">
+                <a:latin typeface="Times New Roman" panose="02020603050405020304" pitchFamily="18" charset="0"/>
+                <a:cs typeface="Times New Roman" panose="02020603050405020304" pitchFamily="18" charset="0"/>
+              </a:rPr>
               <a:t>lấy</a:t>
             </a:r>
             <a:r>
-              <a:rPr lang="en-US" dirty="0" smtClean="0"/>
+              <a:rPr lang="en-US" dirty="0" smtClean="0">
+                <a:latin typeface="Times New Roman" panose="02020603050405020304" pitchFamily="18" charset="0"/>
+                <a:cs typeface="Times New Roman" panose="02020603050405020304" pitchFamily="18" charset="0"/>
+              </a:rPr>
               <a:t> </a:t>
             </a:r>
             <a:r>
-              <a:rPr lang="en-US" dirty="0" err="1" smtClean="0"/>
-              <a:t>dư</a:t>
-            </a:r>
-            <a:r>
-              <a:rPr lang="en-US" dirty="0" smtClean="0"/>
-              <a:t>̃ </a:t>
-            </a:r>
-            <a:r>
-              <a:rPr lang="en-US" dirty="0" err="1" smtClean="0"/>
+              <a:rPr lang="en-US" dirty="0" err="1" smtClean="0">
+                <a:latin typeface="Times New Roman" panose="02020603050405020304" pitchFamily="18" charset="0"/>
+                <a:cs typeface="Times New Roman" panose="02020603050405020304" pitchFamily="18" charset="0"/>
+              </a:rPr>
+              <a:t>dữ</a:t>
+            </a:r>
+            <a:r>
+              <a:rPr lang="en-US" dirty="0" smtClean="0">
+                <a:latin typeface="Times New Roman" panose="02020603050405020304" pitchFamily="18" charset="0"/>
+                <a:cs typeface="Times New Roman" panose="02020603050405020304" pitchFamily="18" charset="0"/>
+              </a:rPr>
+              <a:t> </a:t>
+            </a:r>
+            <a:r>
+              <a:rPr lang="en-US" dirty="0" err="1" smtClean="0">
+                <a:latin typeface="Times New Roman" panose="02020603050405020304" pitchFamily="18" charset="0"/>
+                <a:cs typeface="Times New Roman" panose="02020603050405020304" pitchFamily="18" charset="0"/>
+              </a:rPr>
               <a:t>liệu</a:t>
             </a:r>
             <a:r>
-              <a:rPr lang="en-US" dirty="0" smtClean="0"/>
+              <a:rPr lang="en-US" dirty="0" smtClean="0">
+                <a:latin typeface="Times New Roman" panose="02020603050405020304" pitchFamily="18" charset="0"/>
+                <a:cs typeface="Times New Roman" panose="02020603050405020304" pitchFamily="18" charset="0"/>
+              </a:rPr>
               <a:t> </a:t>
             </a:r>
             <a:r>
-              <a:rPr lang="en-US" dirty="0" err="1" smtClean="0"/>
+              <a:rPr lang="en-US" dirty="0" err="1" smtClean="0">
+                <a:latin typeface="Times New Roman" panose="02020603050405020304" pitchFamily="18" charset="0"/>
+                <a:cs typeface="Times New Roman" panose="02020603050405020304" pitchFamily="18" charset="0"/>
+              </a:rPr>
               <a:t>việc</a:t>
             </a:r>
             <a:r>
-              <a:rPr lang="en-US" dirty="0" smtClean="0"/>
+              <a:rPr lang="en-US" dirty="0" smtClean="0">
+                <a:latin typeface="Times New Roman" panose="02020603050405020304" pitchFamily="18" charset="0"/>
+                <a:cs typeface="Times New Roman" panose="02020603050405020304" pitchFamily="18" charset="0"/>
+              </a:rPr>
               <a:t> </a:t>
             </a:r>
             <a:r>
-              <a:rPr lang="en-US" dirty="0" err="1" smtClean="0"/>
+              <a:rPr lang="en-US" dirty="0" err="1" smtClean="0">
+                <a:latin typeface="Times New Roman" panose="02020603050405020304" pitchFamily="18" charset="0"/>
+                <a:cs typeface="Times New Roman" panose="02020603050405020304" pitchFamily="18" charset="0"/>
+              </a:rPr>
               <a:t>làm</a:t>
             </a:r>
-            <a:endParaRPr lang="en-US" dirty="0" smtClean="0"/>
+            <a:endParaRPr lang="en-US" dirty="0" smtClean="0">
+              <a:latin typeface="Times New Roman" panose="02020603050405020304" pitchFamily="18" charset="0"/>
+              <a:cs typeface="Times New Roman" panose="02020603050405020304" pitchFamily="18" charset="0"/>
+            </a:endParaRPr>
           </a:p>
           <a:p>
             <a:pPr>
@@ -5100,19 +5201,31 @@
               <a:buChar char="Ø"/>
             </a:pPr>
             <a:r>
-              <a:rPr lang="en-US" dirty="0" err="1" smtClean="0"/>
+              <a:rPr lang="en-US" dirty="0" err="1" smtClean="0">
+                <a:latin typeface="Times New Roman" panose="02020603050405020304" pitchFamily="18" charset="0"/>
+                <a:cs typeface="Times New Roman" panose="02020603050405020304" pitchFamily="18" charset="0"/>
+              </a:rPr>
               <a:t>Ứng</a:t>
             </a:r>
             <a:r>
-              <a:rPr lang="en-US" dirty="0" smtClean="0"/>
+              <a:rPr lang="en-US" dirty="0" smtClean="0">
+                <a:latin typeface="Times New Roman" panose="02020603050405020304" pitchFamily="18" charset="0"/>
+                <a:cs typeface="Times New Roman" panose="02020603050405020304" pitchFamily="18" charset="0"/>
+              </a:rPr>
               <a:t> </a:t>
             </a:r>
             <a:r>
-              <a:rPr lang="en-US" dirty="0" err="1" smtClean="0"/>
+              <a:rPr lang="en-US" dirty="0" err="1" smtClean="0">
+                <a:latin typeface="Times New Roman" panose="02020603050405020304" pitchFamily="18" charset="0"/>
+                <a:cs typeface="Times New Roman" panose="02020603050405020304" pitchFamily="18" charset="0"/>
+              </a:rPr>
               <a:t>dụng</a:t>
             </a:r>
             <a:r>
-              <a:rPr lang="en-US" dirty="0" smtClean="0"/>
+              <a:rPr lang="en-US" dirty="0" smtClean="0">
+                <a:latin typeface="Times New Roman" panose="02020603050405020304" pitchFamily="18" charset="0"/>
+                <a:cs typeface="Times New Roman" panose="02020603050405020304" pitchFamily="18" charset="0"/>
+              </a:rPr>
               <a:t> Android</a:t>
             </a:r>
           </a:p>
@@ -5122,37 +5235,58 @@
               <a:buChar char="Ø"/>
             </a:pPr>
             <a:r>
-              <a:rPr lang="en-US" dirty="0" err="1" smtClean="0"/>
-              <a:t>Hê</a:t>
-            </a:r>
-            <a:r>
-              <a:rPr lang="en-US" dirty="0" smtClean="0"/>
-              <a:t>̣ </a:t>
-            </a:r>
-            <a:r>
-              <a:rPr lang="en-US" dirty="0" err="1" smtClean="0"/>
+              <a:rPr lang="en-US" dirty="0" err="1" smtClean="0">
+                <a:latin typeface="Times New Roman" panose="02020603050405020304" pitchFamily="18" charset="0"/>
+                <a:cs typeface="Times New Roman" panose="02020603050405020304" pitchFamily="18" charset="0"/>
+              </a:rPr>
+              <a:t>Hệ</a:t>
+            </a:r>
+            <a:r>
+              <a:rPr lang="en-US" dirty="0" smtClean="0">
+                <a:latin typeface="Times New Roman" panose="02020603050405020304" pitchFamily="18" charset="0"/>
+                <a:cs typeface="Times New Roman" panose="02020603050405020304" pitchFamily="18" charset="0"/>
+              </a:rPr>
+              <a:t> </a:t>
+            </a:r>
+            <a:r>
+              <a:rPr lang="en-US" dirty="0" err="1" smtClean="0">
+                <a:latin typeface="Times New Roman" panose="02020603050405020304" pitchFamily="18" charset="0"/>
+                <a:cs typeface="Times New Roman" panose="02020603050405020304" pitchFamily="18" charset="0"/>
+              </a:rPr>
               <a:t>thống</a:t>
             </a:r>
             <a:r>
-              <a:rPr lang="en-US" dirty="0" smtClean="0"/>
+              <a:rPr lang="en-US" dirty="0" smtClean="0">
+                <a:latin typeface="Times New Roman" panose="02020603050405020304" pitchFamily="18" charset="0"/>
+                <a:cs typeface="Times New Roman" panose="02020603050405020304" pitchFamily="18" charset="0"/>
+              </a:rPr>
               <a:t> </a:t>
             </a:r>
             <a:r>
-              <a:rPr lang="en-US" dirty="0" err="1" smtClean="0"/>
+              <a:rPr lang="en-US" dirty="0" err="1" smtClean="0">
+                <a:latin typeface="Times New Roman" panose="02020603050405020304" pitchFamily="18" charset="0"/>
+                <a:cs typeface="Times New Roman" panose="02020603050405020304" pitchFamily="18" charset="0"/>
+              </a:rPr>
               <a:t>khuyến</a:t>
             </a:r>
             <a:r>
-              <a:rPr lang="en-US" dirty="0" smtClean="0"/>
+              <a:rPr lang="en-US" dirty="0" smtClean="0">
+                <a:latin typeface="Times New Roman" panose="02020603050405020304" pitchFamily="18" charset="0"/>
+                <a:cs typeface="Times New Roman" panose="02020603050405020304" pitchFamily="18" charset="0"/>
+              </a:rPr>
               <a:t> </a:t>
             </a:r>
             <a:r>
-              <a:rPr lang="en-US" dirty="0" err="1" smtClean="0"/>
-              <a:t>nghi</a:t>
-            </a:r>
-            <a:r>
-              <a:rPr lang="en-US" dirty="0" smtClean="0"/>
-              <a:t>̣</a:t>
-            </a:r>
+              <a:rPr lang="en-US" dirty="0" err="1" smtClean="0">
+                <a:latin typeface="Times New Roman" panose="02020603050405020304" pitchFamily="18" charset="0"/>
+                <a:cs typeface="Times New Roman" panose="02020603050405020304" pitchFamily="18" charset="0"/>
+              </a:rPr>
+              <a:t>nghị</a:t>
+            </a:r>
+            <a:endParaRPr lang="en-US" dirty="0" smtClean="0">
+              <a:latin typeface="Times New Roman" panose="02020603050405020304" pitchFamily="18" charset="0"/>
+              <a:cs typeface="Times New Roman" panose="02020603050405020304" pitchFamily="18" charset="0"/>
+            </a:endParaRPr>
           </a:p>
           <a:p>
             <a:pPr>
@@ -5160,22 +5294,37 @@
               <a:buChar char="Ø"/>
             </a:pPr>
             <a:r>
-              <a:rPr lang="en-US" dirty="0" smtClean="0"/>
+              <a:rPr lang="en-US" dirty="0" smtClean="0">
+                <a:latin typeface="Times New Roman" panose="02020603050405020304" pitchFamily="18" charset="0"/>
+                <a:cs typeface="Times New Roman" panose="02020603050405020304" pitchFamily="18" charset="0"/>
+              </a:rPr>
               <a:t>Website </a:t>
             </a:r>
             <a:r>
-              <a:rPr lang="en-US" dirty="0" err="1" smtClean="0"/>
+              <a:rPr lang="en-US" dirty="0" err="1" smtClean="0">
+                <a:latin typeface="Times New Roman" panose="02020603050405020304" pitchFamily="18" charset="0"/>
+                <a:cs typeface="Times New Roman" panose="02020603050405020304" pitchFamily="18" charset="0"/>
+              </a:rPr>
               <a:t>khảo</a:t>
             </a:r>
             <a:r>
-              <a:rPr lang="en-US" dirty="0" smtClean="0"/>
+              <a:rPr lang="en-US" dirty="0" smtClean="0">
+                <a:latin typeface="Times New Roman" panose="02020603050405020304" pitchFamily="18" charset="0"/>
+                <a:cs typeface="Times New Roman" panose="02020603050405020304" pitchFamily="18" charset="0"/>
+              </a:rPr>
               <a:t> </a:t>
             </a:r>
             <a:r>
-              <a:rPr lang="en-US" dirty="0" err="1" smtClean="0"/>
+              <a:rPr lang="en-US" dirty="0" err="1" smtClean="0">
+                <a:latin typeface="Times New Roman" panose="02020603050405020304" pitchFamily="18" charset="0"/>
+                <a:cs typeface="Times New Roman" panose="02020603050405020304" pitchFamily="18" charset="0"/>
+              </a:rPr>
               <a:t>sát</a:t>
             </a:r>
-            <a:endParaRPr lang="en-US" dirty="0" smtClean="0"/>
+            <a:endParaRPr lang="en-US" dirty="0" smtClean="0">
+              <a:latin typeface="Times New Roman" panose="02020603050405020304" pitchFamily="18" charset="0"/>
+              <a:cs typeface="Times New Roman" panose="02020603050405020304" pitchFamily="18" charset="0"/>
+            </a:endParaRPr>
           </a:p>
           <a:p>
             <a:pPr>
@@ -5506,46 +5655,79 @@
           <a:lstStyle/>
           <a:p>
             <a:r>
-              <a:rPr lang="en-US" dirty="0" smtClean="0"/>
+              <a:rPr lang="en-US" dirty="0" smtClean="0">
+                <a:latin typeface="Times New Roman" panose="02020603050405020304" pitchFamily="18" charset="0"/>
+                <a:cs typeface="Times New Roman" panose="02020603050405020304" pitchFamily="18" charset="0"/>
+              </a:rPr>
               <a:t>Module </a:t>
             </a:r>
             <a:r>
-              <a:rPr lang="en-US" dirty="0" err="1" smtClean="0"/>
+              <a:rPr lang="en-US" dirty="0" err="1" smtClean="0">
+                <a:latin typeface="Times New Roman" panose="02020603050405020304" pitchFamily="18" charset="0"/>
+                <a:cs typeface="Times New Roman" panose="02020603050405020304" pitchFamily="18" charset="0"/>
+              </a:rPr>
               <a:t>lấy</a:t>
             </a:r>
             <a:r>
-              <a:rPr lang="en-US" dirty="0" smtClean="0"/>
+              <a:rPr lang="en-US" dirty="0" smtClean="0">
+                <a:latin typeface="Times New Roman" panose="02020603050405020304" pitchFamily="18" charset="0"/>
+                <a:cs typeface="Times New Roman" panose="02020603050405020304" pitchFamily="18" charset="0"/>
+              </a:rPr>
               <a:t> </a:t>
             </a:r>
             <a:r>
-              <a:rPr lang="en-US" dirty="0" err="1" smtClean="0"/>
-              <a:t>dư</a:t>
-            </a:r>
-            <a:r>
-              <a:rPr lang="en-US" dirty="0" smtClean="0"/>
-              <a:t>̃ </a:t>
-            </a:r>
-            <a:r>
-              <a:rPr lang="en-US" dirty="0" err="1" smtClean="0"/>
+              <a:rPr lang="en-US" dirty="0" err="1" smtClean="0">
+                <a:latin typeface="Times New Roman" panose="02020603050405020304" pitchFamily="18" charset="0"/>
+                <a:cs typeface="Times New Roman" panose="02020603050405020304" pitchFamily="18" charset="0"/>
+              </a:rPr>
+              <a:t>dữ</a:t>
+            </a:r>
+            <a:r>
+              <a:rPr lang="en-US" dirty="0" smtClean="0">
+                <a:latin typeface="Times New Roman" panose="02020603050405020304" pitchFamily="18" charset="0"/>
+                <a:cs typeface="Times New Roman" panose="02020603050405020304" pitchFamily="18" charset="0"/>
+              </a:rPr>
+              <a:t> </a:t>
+            </a:r>
+            <a:r>
+              <a:rPr lang="en-US" dirty="0" err="1" smtClean="0">
+                <a:latin typeface="Times New Roman" panose="02020603050405020304" pitchFamily="18" charset="0"/>
+                <a:cs typeface="Times New Roman" panose="02020603050405020304" pitchFamily="18" charset="0"/>
+              </a:rPr>
               <a:t>liệu</a:t>
             </a:r>
             <a:r>
-              <a:rPr lang="en-US" dirty="0" smtClean="0"/>
+              <a:rPr lang="en-US" dirty="0" smtClean="0">
+                <a:latin typeface="Times New Roman" panose="02020603050405020304" pitchFamily="18" charset="0"/>
+                <a:cs typeface="Times New Roman" panose="02020603050405020304" pitchFamily="18" charset="0"/>
+              </a:rPr>
               <a:t> </a:t>
             </a:r>
             <a:r>
-              <a:rPr lang="en-US" dirty="0" err="1" smtClean="0"/>
+              <a:rPr lang="en-US" dirty="0" err="1" smtClean="0">
+                <a:latin typeface="Times New Roman" panose="02020603050405020304" pitchFamily="18" charset="0"/>
+                <a:cs typeface="Times New Roman" panose="02020603050405020304" pitchFamily="18" charset="0"/>
+              </a:rPr>
               <a:t>việc</a:t>
             </a:r>
             <a:r>
-              <a:rPr lang="en-US" dirty="0" smtClean="0"/>
+              <a:rPr lang="en-US" dirty="0" smtClean="0">
+                <a:latin typeface="Times New Roman" panose="02020603050405020304" pitchFamily="18" charset="0"/>
+                <a:cs typeface="Times New Roman" panose="02020603050405020304" pitchFamily="18" charset="0"/>
+              </a:rPr>
               <a:t> </a:t>
             </a:r>
             <a:r>
-              <a:rPr lang="en-US" dirty="0" err="1" smtClean="0"/>
+              <a:rPr lang="en-US" dirty="0" err="1" smtClean="0">
+                <a:latin typeface="Times New Roman" panose="02020603050405020304" pitchFamily="18" charset="0"/>
+                <a:cs typeface="Times New Roman" panose="02020603050405020304" pitchFamily="18" charset="0"/>
+              </a:rPr>
               <a:t>làm</a:t>
             </a:r>
-            <a:endParaRPr lang="en-US" dirty="0"/>
+            <a:endParaRPr lang="en-US" dirty="0">
+              <a:latin typeface="Times New Roman" panose="02020603050405020304" pitchFamily="18" charset="0"/>
+              <a:cs typeface="Times New Roman" panose="02020603050405020304" pitchFamily="18" charset="0"/>
+            </a:endParaRPr>
           </a:p>
         </p:txBody>
       </p:sp>
@@ -5557,8 +5739,8 @@
         </p:nvSpPr>
         <p:spPr>
           <a:xfrm>
-            <a:off x="1524000" y="4800600"/>
-            <a:ext cx="1123950" cy="1066800"/>
+            <a:off x="1193987" y="4800600"/>
+            <a:ext cx="1453963" cy="1066800"/>
           </a:xfrm>
           <a:prstGeom prst="flowChartDocument">
             <a:avLst/>
@@ -5641,8 +5823,8 @@
         </p:nvSpPr>
         <p:spPr>
           <a:xfrm>
-            <a:off x="457200" y="3399865"/>
-            <a:ext cx="1428750" cy="1066800"/>
+            <a:off x="351657" y="3485039"/>
+            <a:ext cx="1827509" cy="1066800"/>
           </a:xfrm>
           <a:prstGeom prst="flowChartDocument">
             <a:avLst/>
@@ -5816,8 +5998,8 @@
         </p:nvCxnSpPr>
         <p:spPr>
           <a:xfrm>
-            <a:off x="1885950" y="3933265"/>
-            <a:ext cx="1447800" cy="352169"/>
+            <a:off x="2179166" y="4018439"/>
+            <a:ext cx="1049042" cy="352169"/>
           </a:xfrm>
           <a:prstGeom prst="straightConnector1">
             <a:avLst/>
@@ -5851,8 +6033,8 @@
         </p:nvCxnSpPr>
         <p:spPr>
           <a:xfrm flipV="1">
-            <a:off x="2085975" y="4466665"/>
-            <a:ext cx="1247775" cy="333935"/>
+            <a:off x="1920969" y="4466666"/>
+            <a:ext cx="1412781" cy="333934"/>
           </a:xfrm>
           <a:prstGeom prst="straightConnector1">
             <a:avLst/>
@@ -7015,22 +7197,37 @@
           <a:lstStyle/>
           <a:p>
             <a:r>
-              <a:rPr lang="en-US" dirty="0" smtClean="0"/>
+              <a:rPr lang="en-US" dirty="0" smtClean="0">
+                <a:latin typeface="Times New Roman" panose="02020603050405020304" pitchFamily="18" charset="0"/>
+                <a:cs typeface="Times New Roman" panose="02020603050405020304" pitchFamily="18" charset="0"/>
+              </a:rPr>
               <a:t>Website </a:t>
             </a:r>
             <a:r>
-              <a:rPr lang="en-US" dirty="0" err="1" smtClean="0"/>
+              <a:rPr lang="en-US" dirty="0" err="1" smtClean="0">
+                <a:latin typeface="Times New Roman" panose="02020603050405020304" pitchFamily="18" charset="0"/>
+                <a:cs typeface="Times New Roman" panose="02020603050405020304" pitchFamily="18" charset="0"/>
+              </a:rPr>
               <a:t>khảo</a:t>
             </a:r>
             <a:r>
-              <a:rPr lang="en-US" dirty="0" smtClean="0"/>
+              <a:rPr lang="en-US" dirty="0" smtClean="0">
+                <a:latin typeface="Times New Roman" panose="02020603050405020304" pitchFamily="18" charset="0"/>
+                <a:cs typeface="Times New Roman" panose="02020603050405020304" pitchFamily="18" charset="0"/>
+              </a:rPr>
               <a:t> </a:t>
             </a:r>
             <a:r>
-              <a:rPr lang="en-US" dirty="0" err="1" smtClean="0"/>
+              <a:rPr lang="en-US" dirty="0" err="1" smtClean="0">
+                <a:latin typeface="Times New Roman" panose="02020603050405020304" pitchFamily="18" charset="0"/>
+                <a:cs typeface="Times New Roman" panose="02020603050405020304" pitchFamily="18" charset="0"/>
+              </a:rPr>
               <a:t>sát</a:t>
             </a:r>
-            <a:endParaRPr lang="en-US" dirty="0"/>
+            <a:endParaRPr lang="en-US" dirty="0">
+              <a:latin typeface="Times New Roman" panose="02020603050405020304" pitchFamily="18" charset="0"/>
+              <a:cs typeface="Times New Roman" panose="02020603050405020304" pitchFamily="18" charset="0"/>
+            </a:endParaRPr>
           </a:p>
         </p:txBody>
       </p:sp>
@@ -7110,22 +7307,37 @@
           <a:p>
             <a:pPr algn="ctr"/>
             <a:r>
-              <a:rPr lang="en-US" dirty="0" smtClean="0"/>
+              <a:rPr lang="en-US" dirty="0" smtClean="0">
+                <a:latin typeface="Times New Roman" panose="02020603050405020304" pitchFamily="18" charset="0"/>
+                <a:cs typeface="Times New Roman" panose="02020603050405020304" pitchFamily="18" charset="0"/>
+              </a:rPr>
               <a:t>Website </a:t>
             </a:r>
             <a:r>
-              <a:rPr lang="en-US" dirty="0" err="1" smtClean="0"/>
+              <a:rPr lang="en-US" dirty="0" err="1" smtClean="0">
+                <a:latin typeface="Times New Roman" panose="02020603050405020304" pitchFamily="18" charset="0"/>
+                <a:cs typeface="Times New Roman" panose="02020603050405020304" pitchFamily="18" charset="0"/>
+              </a:rPr>
               <a:t>khảo</a:t>
             </a:r>
             <a:r>
-              <a:rPr lang="en-US" dirty="0" smtClean="0"/>
+              <a:rPr lang="en-US" dirty="0" smtClean="0">
+                <a:latin typeface="Times New Roman" panose="02020603050405020304" pitchFamily="18" charset="0"/>
+                <a:cs typeface="Times New Roman" panose="02020603050405020304" pitchFamily="18" charset="0"/>
+              </a:rPr>
               <a:t> </a:t>
             </a:r>
             <a:r>
-              <a:rPr lang="en-US" dirty="0" err="1" smtClean="0"/>
+              <a:rPr lang="en-US" dirty="0" err="1" smtClean="0">
+                <a:latin typeface="Times New Roman" panose="02020603050405020304" pitchFamily="18" charset="0"/>
+                <a:cs typeface="Times New Roman" panose="02020603050405020304" pitchFamily="18" charset="0"/>
+              </a:rPr>
               <a:t>sát</a:t>
             </a:r>
-            <a:endParaRPr lang="en-US" dirty="0"/>
+            <a:endParaRPr lang="en-US" dirty="0">
+              <a:latin typeface="Times New Roman" panose="02020603050405020304" pitchFamily="18" charset="0"/>
+              <a:cs typeface="Times New Roman" panose="02020603050405020304" pitchFamily="18" charset="0"/>
+            </a:endParaRPr>
           </a:p>
         </p:txBody>
       </p:sp>
@@ -7218,38 +7430,65 @@
           <a:lstStyle/>
           <a:p>
             <a:r>
-              <a:rPr lang="en-US" dirty="0" err="1"/>
+              <a:rPr lang="en-US" dirty="0" err="1">
+                <a:latin typeface="Times New Roman" panose="02020603050405020304" pitchFamily="18" charset="0"/>
+                <a:cs typeface="Times New Roman" panose="02020603050405020304" pitchFamily="18" charset="0"/>
+              </a:rPr>
               <a:t>v</a:t>
             </a:r>
             <a:r>
-              <a:rPr lang="en-US" dirty="0" err="1" smtClean="0"/>
+              <a:rPr lang="en-US" dirty="0" err="1" smtClean="0">
+                <a:latin typeface="Times New Roman" panose="02020603050405020304" pitchFamily="18" charset="0"/>
+                <a:cs typeface="Times New Roman" panose="02020603050405020304" pitchFamily="18" charset="0"/>
+              </a:rPr>
               <a:t>iệc</a:t>
             </a:r>
             <a:r>
-              <a:rPr lang="en-US" dirty="0" smtClean="0"/>
+              <a:rPr lang="en-US" dirty="0" smtClean="0">
+                <a:latin typeface="Times New Roman" panose="02020603050405020304" pitchFamily="18" charset="0"/>
+                <a:cs typeface="Times New Roman" panose="02020603050405020304" pitchFamily="18" charset="0"/>
+              </a:rPr>
               <a:t> </a:t>
             </a:r>
             <a:r>
-              <a:rPr lang="en-US" dirty="0" err="1" smtClean="0"/>
+              <a:rPr lang="en-US" dirty="0" err="1" smtClean="0">
+                <a:latin typeface="Times New Roman" panose="02020603050405020304" pitchFamily="18" charset="0"/>
+                <a:cs typeface="Times New Roman" panose="02020603050405020304" pitchFamily="18" charset="0"/>
+              </a:rPr>
               <a:t>làm</a:t>
             </a:r>
             <a:r>
-              <a:rPr lang="en-US" dirty="0" smtClean="0"/>
+              <a:rPr lang="en-US" dirty="0" smtClean="0">
+                <a:latin typeface="Times New Roman" panose="02020603050405020304" pitchFamily="18" charset="0"/>
+                <a:cs typeface="Times New Roman" panose="02020603050405020304" pitchFamily="18" charset="0"/>
+              </a:rPr>
               <a:t>, email </a:t>
             </a:r>
             <a:r>
-              <a:rPr lang="en-US" dirty="0" err="1" smtClean="0"/>
+              <a:rPr lang="en-US" dirty="0" err="1" smtClean="0">
+                <a:latin typeface="Times New Roman" panose="02020603050405020304" pitchFamily="18" charset="0"/>
+                <a:cs typeface="Times New Roman" panose="02020603050405020304" pitchFamily="18" charset="0"/>
+              </a:rPr>
               <a:t>khảo</a:t>
             </a:r>
             <a:r>
-              <a:rPr lang="en-US" dirty="0" smtClean="0"/>
+              <a:rPr lang="en-US" dirty="0" smtClean="0">
+                <a:latin typeface="Times New Roman" panose="02020603050405020304" pitchFamily="18" charset="0"/>
+                <a:cs typeface="Times New Roman" panose="02020603050405020304" pitchFamily="18" charset="0"/>
+              </a:rPr>
               <a:t> </a:t>
             </a:r>
             <a:r>
-              <a:rPr lang="en-US" dirty="0" err="1" smtClean="0"/>
+              <a:rPr lang="en-US" dirty="0" err="1" smtClean="0">
+                <a:latin typeface="Times New Roman" panose="02020603050405020304" pitchFamily="18" charset="0"/>
+                <a:cs typeface="Times New Roman" panose="02020603050405020304" pitchFamily="18" charset="0"/>
+              </a:rPr>
               <a:t>sát</a:t>
             </a:r>
-            <a:endParaRPr lang="en-US" dirty="0"/>
+            <a:endParaRPr lang="en-US" dirty="0">
+              <a:latin typeface="Times New Roman" panose="02020603050405020304" pitchFamily="18" charset="0"/>
+              <a:cs typeface="Times New Roman" panose="02020603050405020304" pitchFamily="18" charset="0"/>
+            </a:endParaRPr>
           </a:p>
         </p:txBody>
       </p:sp>
@@ -7262,7 +7501,7 @@
         <p:spPr>
           <a:xfrm>
             <a:off x="5448436" y="3113688"/>
-            <a:ext cx="1355371" cy="369332"/>
+            <a:ext cx="1430905" cy="369332"/>
           </a:xfrm>
           <a:prstGeom prst="rect">
             <a:avLst/>
@@ -7276,26 +7515,44 @@
           <a:lstStyle/>
           <a:p>
             <a:r>
-              <a:rPr lang="en-US" dirty="0" smtClean="0"/>
+              <a:rPr lang="en-US" dirty="0" smtClean="0">
+                <a:latin typeface="Times New Roman" panose="02020603050405020304" pitchFamily="18" charset="0"/>
+                <a:cs typeface="Times New Roman" panose="02020603050405020304" pitchFamily="18" charset="0"/>
+              </a:rPr>
               <a:t>CV, </a:t>
             </a:r>
             <a:r>
-              <a:rPr lang="en-US" dirty="0" err="1" smtClean="0"/>
+              <a:rPr lang="en-US" dirty="0" err="1" smtClean="0">
+                <a:latin typeface="Times New Roman" panose="02020603050405020304" pitchFamily="18" charset="0"/>
+                <a:cs typeface="Times New Roman" panose="02020603050405020304" pitchFamily="18" charset="0"/>
+              </a:rPr>
               <a:t>Đánh</a:t>
             </a:r>
             <a:r>
-              <a:rPr lang="en-US" dirty="0" smtClean="0"/>
+              <a:rPr lang="en-US" dirty="0" smtClean="0">
+                <a:latin typeface="Times New Roman" panose="02020603050405020304" pitchFamily="18" charset="0"/>
+                <a:cs typeface="Times New Roman" panose="02020603050405020304" pitchFamily="18" charset="0"/>
+              </a:rPr>
               <a:t> </a:t>
             </a:r>
             <a:r>
-              <a:rPr lang="en-US" dirty="0" err="1" smtClean="0"/>
+              <a:rPr lang="en-US" dirty="0" err="1" smtClean="0">
+                <a:latin typeface="Times New Roman" panose="02020603050405020304" pitchFamily="18" charset="0"/>
+                <a:cs typeface="Times New Roman" panose="02020603050405020304" pitchFamily="18" charset="0"/>
+              </a:rPr>
               <a:t>gia</a:t>
             </a:r>
             <a:r>
-              <a:rPr lang="en-US" dirty="0" smtClean="0"/>
+              <a:rPr lang="en-US" dirty="0" smtClean="0">
+                <a:latin typeface="Times New Roman" panose="02020603050405020304" pitchFamily="18" charset="0"/>
+                <a:cs typeface="Times New Roman" panose="02020603050405020304" pitchFamily="18" charset="0"/>
+              </a:rPr>
               <a:t>́</a:t>
             </a:r>
-            <a:endParaRPr lang="en-US" dirty="0"/>
+            <a:endParaRPr lang="en-US" dirty="0">
+              <a:latin typeface="Times New Roman" panose="02020603050405020304" pitchFamily="18" charset="0"/>
+              <a:cs typeface="Times New Roman" panose="02020603050405020304" pitchFamily="18" charset="0"/>
+            </a:endParaRPr>
           </a:p>
         </p:txBody>
       </p:sp>
@@ -7974,6 +8231,8 @@
                 <a:solidFill>
                   <a:schemeClr val="tx1"/>
                 </a:solidFill>
+                <a:latin typeface="Times New Roman" panose="02020603050405020304" pitchFamily="18" charset="0"/>
+                <a:cs typeface="Times New Roman" panose="02020603050405020304" pitchFamily="18" charset="0"/>
               </a:rPr>
               <a:t>Thank you</a:t>
             </a:r>
@@ -7981,6 +8240,8 @@
               <a:solidFill>
                 <a:schemeClr val="tx1"/>
               </a:solidFill>
+              <a:latin typeface="Times New Roman" panose="02020603050405020304" pitchFamily="18" charset="0"/>
+              <a:cs typeface="Times New Roman" panose="02020603050405020304" pitchFamily="18" charset="0"/>
             </a:endParaRPr>
           </a:p>
         </p:txBody>
@@ -8019,13 +8280,13 @@
   <p:clrMapOvr>
     <a:masterClrMapping/>
   </p:clrMapOvr>
-  <mc:AlternateContent xmlns:mc="http://schemas.openxmlformats.org/markup-compatibility/2006">
-    <mc:Choice xmlns:p15="http://schemas.microsoft.com/office/powerpoint/2012/main" Requires="p15">
+  <mc:AlternateContent xmlns:mc="http://schemas.openxmlformats.org/markup-compatibility/2006" xmlns:p15="http://schemas.microsoft.com/office/powerpoint/2012/main">
+    <mc:Choice Requires="p15">
       <p:transition xmlns:p14="http://schemas.microsoft.com/office/powerpoint/2010/main" spd="slow" p14:dur="2000">
         <p15:prstTrans prst="fracture"/>
       </p:transition>
     </mc:Choice>
-    <mc:Fallback>
+    <mc:Fallback xmlns="">
       <p:transition spd="slow">
         <p:fade/>
       </p:transition>
@@ -8074,14 +8335,23 @@
           <a:lstStyle/>
           <a:p>
             <a:r>
-              <a:rPr lang="en-US" dirty="0" err="1" smtClean="0"/>
+              <a:rPr lang="en-US" dirty="0" err="1" smtClean="0">
+                <a:latin typeface="Times New Roman" panose="02020603050405020304" pitchFamily="18" charset="0"/>
+                <a:cs typeface="Times New Roman" panose="02020603050405020304" pitchFamily="18" charset="0"/>
+              </a:rPr>
               <a:t>Nội</a:t>
             </a:r>
             <a:r>
-              <a:rPr lang="en-US" dirty="0" smtClean="0"/>
+              <a:rPr lang="en-US" dirty="0" smtClean="0">
+                <a:latin typeface="Times New Roman" panose="02020603050405020304" pitchFamily="18" charset="0"/>
+                <a:cs typeface="Times New Roman" panose="02020603050405020304" pitchFamily="18" charset="0"/>
+              </a:rPr>
               <a:t> dung</a:t>
             </a:r>
-            <a:endParaRPr lang="en-US" dirty="0"/>
+            <a:endParaRPr lang="en-US" dirty="0">
+              <a:latin typeface="Times New Roman" panose="02020603050405020304" pitchFamily="18" charset="0"/>
+              <a:cs typeface="Times New Roman" panose="02020603050405020304" pitchFamily="18" charset="0"/>
+            </a:endParaRPr>
           </a:p>
         </p:txBody>
       </p:sp>
@@ -8105,18 +8375,30 @@
               <a:buChar char="q"/>
             </a:pPr>
             <a:r>
-              <a:rPr lang="en-US" dirty="0" err="1" smtClean="0"/>
+              <a:rPr lang="en-US" dirty="0" err="1" smtClean="0">
+                <a:latin typeface="Times New Roman" panose="02020603050405020304" pitchFamily="18" charset="0"/>
+                <a:cs typeface="Times New Roman" panose="02020603050405020304" pitchFamily="18" charset="0"/>
+              </a:rPr>
               <a:t>Hiện</a:t>
             </a:r>
             <a:r>
-              <a:rPr lang="en-US" dirty="0" smtClean="0"/>
+              <a:rPr lang="en-US" dirty="0" smtClean="0">
+                <a:latin typeface="Times New Roman" panose="02020603050405020304" pitchFamily="18" charset="0"/>
+                <a:cs typeface="Times New Roman" panose="02020603050405020304" pitchFamily="18" charset="0"/>
+              </a:rPr>
               <a:t> </a:t>
             </a:r>
             <a:r>
-              <a:rPr lang="en-US" dirty="0" err="1" smtClean="0"/>
+              <a:rPr lang="en-US" dirty="0" err="1" smtClean="0">
+                <a:latin typeface="Times New Roman" panose="02020603050405020304" pitchFamily="18" charset="0"/>
+                <a:cs typeface="Times New Roman" panose="02020603050405020304" pitchFamily="18" charset="0"/>
+              </a:rPr>
               <a:t>trạng</a:t>
             </a:r>
-            <a:endParaRPr lang="en-US" dirty="0" smtClean="0"/>
+            <a:endParaRPr lang="en-US" dirty="0" smtClean="0">
+              <a:latin typeface="Times New Roman" panose="02020603050405020304" pitchFamily="18" charset="0"/>
+              <a:cs typeface="Times New Roman" panose="02020603050405020304" pitchFamily="18" charset="0"/>
+            </a:endParaRPr>
           </a:p>
           <a:p>
             <a:pPr>
@@ -8124,34 +8406,58 @@
               <a:buChar char="q"/>
             </a:pPr>
             <a:r>
-              <a:rPr lang="en-US" dirty="0" err="1" smtClean="0"/>
+              <a:rPr lang="en-US" dirty="0" err="1" smtClean="0">
+                <a:latin typeface="Times New Roman" panose="02020603050405020304" pitchFamily="18" charset="0"/>
+                <a:cs typeface="Times New Roman" panose="02020603050405020304" pitchFamily="18" charset="0"/>
+              </a:rPr>
               <a:t>Giới</a:t>
             </a:r>
             <a:r>
-              <a:rPr lang="en-US" dirty="0" smtClean="0"/>
+              <a:rPr lang="en-US" dirty="0" smtClean="0">
+                <a:latin typeface="Times New Roman" panose="02020603050405020304" pitchFamily="18" charset="0"/>
+                <a:cs typeface="Times New Roman" panose="02020603050405020304" pitchFamily="18" charset="0"/>
+              </a:rPr>
               <a:t> </a:t>
             </a:r>
             <a:r>
-              <a:rPr lang="en-US" dirty="0" err="1" smtClean="0"/>
+              <a:rPr lang="en-US" dirty="0" err="1" smtClean="0">
+                <a:latin typeface="Times New Roman" panose="02020603050405020304" pitchFamily="18" charset="0"/>
+                <a:cs typeface="Times New Roman" panose="02020603050405020304" pitchFamily="18" charset="0"/>
+              </a:rPr>
               <a:t>thiệu</a:t>
             </a:r>
             <a:r>
-              <a:rPr lang="en-US" dirty="0" smtClean="0"/>
+              <a:rPr lang="en-US" dirty="0" smtClean="0">
+                <a:latin typeface="Times New Roman" panose="02020603050405020304" pitchFamily="18" charset="0"/>
+                <a:cs typeface="Times New Roman" panose="02020603050405020304" pitchFamily="18" charset="0"/>
+              </a:rPr>
               <a:t> </a:t>
             </a:r>
             <a:r>
-              <a:rPr lang="en-US" dirty="0" err="1" smtClean="0"/>
+              <a:rPr lang="en-US" dirty="0" err="1" smtClean="0">
+                <a:latin typeface="Times New Roman" panose="02020603050405020304" pitchFamily="18" charset="0"/>
+                <a:cs typeface="Times New Roman" panose="02020603050405020304" pitchFamily="18" charset="0"/>
+              </a:rPr>
               <a:t>ứng</a:t>
             </a:r>
             <a:r>
-              <a:rPr lang="en-US" dirty="0" smtClean="0"/>
+              <a:rPr lang="en-US" dirty="0" smtClean="0">
+                <a:latin typeface="Times New Roman" panose="02020603050405020304" pitchFamily="18" charset="0"/>
+                <a:cs typeface="Times New Roman" panose="02020603050405020304" pitchFamily="18" charset="0"/>
+              </a:rPr>
               <a:t> </a:t>
             </a:r>
             <a:r>
-              <a:rPr lang="en-US" dirty="0" err="1" smtClean="0"/>
+              <a:rPr lang="en-US" dirty="0" err="1" smtClean="0">
+                <a:latin typeface="Times New Roman" panose="02020603050405020304" pitchFamily="18" charset="0"/>
+                <a:cs typeface="Times New Roman" panose="02020603050405020304" pitchFamily="18" charset="0"/>
+              </a:rPr>
               <a:t>dụng</a:t>
             </a:r>
-            <a:endParaRPr lang="en-US" dirty="0" smtClean="0"/>
+            <a:endParaRPr lang="en-US" dirty="0" smtClean="0">
+              <a:latin typeface="Times New Roman" panose="02020603050405020304" pitchFamily="18" charset="0"/>
+              <a:cs typeface="Times New Roman" panose="02020603050405020304" pitchFamily="18" charset="0"/>
+            </a:endParaRPr>
           </a:p>
           <a:p>
             <a:pPr>
@@ -8159,42 +8465,72 @@
               <a:buChar char="q"/>
             </a:pPr>
             <a:r>
-              <a:rPr lang="en-US" dirty="0" err="1" smtClean="0"/>
+              <a:rPr lang="en-US" dirty="0" err="1" smtClean="0">
+                <a:latin typeface="Times New Roman" panose="02020603050405020304" pitchFamily="18" charset="0"/>
+                <a:cs typeface="Times New Roman" panose="02020603050405020304" pitchFamily="18" charset="0"/>
+              </a:rPr>
               <a:t>Mô</a:t>
             </a:r>
             <a:r>
-              <a:rPr lang="en-US" dirty="0" smtClean="0"/>
+              <a:rPr lang="en-US" dirty="0" smtClean="0">
+                <a:latin typeface="Times New Roman" panose="02020603050405020304" pitchFamily="18" charset="0"/>
+                <a:cs typeface="Times New Roman" panose="02020603050405020304" pitchFamily="18" charset="0"/>
+              </a:rPr>
               <a:t> tả </a:t>
             </a:r>
             <a:r>
-              <a:rPr lang="en-US" dirty="0" err="1" smtClean="0"/>
+              <a:rPr lang="en-US" dirty="0" err="1" smtClean="0">
+                <a:latin typeface="Times New Roman" panose="02020603050405020304" pitchFamily="18" charset="0"/>
+                <a:cs typeface="Times New Roman" panose="02020603050405020304" pitchFamily="18" charset="0"/>
+              </a:rPr>
               <a:t>kiến</a:t>
             </a:r>
             <a:r>
-              <a:rPr lang="en-US" dirty="0" smtClean="0"/>
+              <a:rPr lang="en-US" dirty="0" smtClean="0">
+                <a:latin typeface="Times New Roman" panose="02020603050405020304" pitchFamily="18" charset="0"/>
+                <a:cs typeface="Times New Roman" panose="02020603050405020304" pitchFamily="18" charset="0"/>
+              </a:rPr>
               <a:t> </a:t>
             </a:r>
             <a:r>
-              <a:rPr lang="en-US" dirty="0" err="1" smtClean="0"/>
+              <a:rPr lang="en-US" dirty="0" err="1" smtClean="0">
+                <a:latin typeface="Times New Roman" panose="02020603050405020304" pitchFamily="18" charset="0"/>
+                <a:cs typeface="Times New Roman" panose="02020603050405020304" pitchFamily="18" charset="0"/>
+              </a:rPr>
               <a:t>trúc</a:t>
             </a:r>
             <a:r>
-              <a:rPr lang="en-US" dirty="0" smtClean="0"/>
+              <a:rPr lang="en-US" dirty="0" smtClean="0">
+                <a:latin typeface="Times New Roman" panose="02020603050405020304" pitchFamily="18" charset="0"/>
+                <a:cs typeface="Times New Roman" panose="02020603050405020304" pitchFamily="18" charset="0"/>
+              </a:rPr>
               <a:t> </a:t>
             </a:r>
             <a:r>
-              <a:rPr lang="en-US" dirty="0" err="1" smtClean="0"/>
-              <a:t>hê</a:t>
-            </a:r>
-            <a:r>
-              <a:rPr lang="en-US" dirty="0" smtClean="0"/>
-              <a:t>̣ </a:t>
-            </a:r>
-            <a:r>
-              <a:rPr lang="en-US" dirty="0" err="1" smtClean="0"/>
+              <a:rPr lang="en-US" dirty="0" err="1" smtClean="0">
+                <a:latin typeface="Times New Roman" panose="02020603050405020304" pitchFamily="18" charset="0"/>
+                <a:cs typeface="Times New Roman" panose="02020603050405020304" pitchFamily="18" charset="0"/>
+              </a:rPr>
+              <a:t>hệ</a:t>
+            </a:r>
+            <a:r>
+              <a:rPr lang="en-US" dirty="0" smtClean="0">
+                <a:latin typeface="Times New Roman" panose="02020603050405020304" pitchFamily="18" charset="0"/>
+                <a:cs typeface="Times New Roman" panose="02020603050405020304" pitchFamily="18" charset="0"/>
+              </a:rPr>
+              <a:t> </a:t>
+            </a:r>
+            <a:r>
+              <a:rPr lang="en-US" dirty="0" err="1" smtClean="0">
+                <a:latin typeface="Times New Roman" panose="02020603050405020304" pitchFamily="18" charset="0"/>
+                <a:cs typeface="Times New Roman" panose="02020603050405020304" pitchFamily="18" charset="0"/>
+              </a:rPr>
               <a:t>thống</a:t>
             </a:r>
-            <a:endParaRPr lang="en-US" dirty="0" smtClean="0"/>
+            <a:endParaRPr lang="en-US" dirty="0" smtClean="0">
+              <a:latin typeface="Times New Roman" panose="02020603050405020304" pitchFamily="18" charset="0"/>
+              <a:cs typeface="Times New Roman" panose="02020603050405020304" pitchFamily="18" charset="0"/>
+            </a:endParaRPr>
           </a:p>
           <a:p>
             <a:pPr>
@@ -8292,95 +8628,142 @@
           <a:bodyPr/>
           <a:lstStyle/>
           <a:p>
+            <a:pPr>
+              <a:buFont typeface="Arial" panose="020B0604020202020204" pitchFamily="34" charset="0"/>
+              <a:buChar char="•"/>
+            </a:pPr>
             <a:r>
               <a:rPr lang="en-US" dirty="0">
-                <a:latin typeface="Calibri" panose="020F0502020204030204" pitchFamily="34" charset="0"/>
-                <a:cs typeface="Arial" pitchFamily="34" charset="0"/>
+                <a:latin typeface="Times New Roman" panose="02020603050405020304" pitchFamily="18" charset="0"/>
+                <a:cs typeface="Times New Roman" panose="02020603050405020304" pitchFamily="18" charset="0"/>
               </a:rPr>
               <a:t>N</a:t>
             </a:r>
             <a:r>
               <a:rPr lang="vi-VN" dirty="0" smtClean="0">
-                <a:latin typeface="Calibri" panose="020F0502020204030204" pitchFamily="34" charset="0"/>
-                <a:cs typeface="Arial" pitchFamily="34" charset="0"/>
+                <a:latin typeface="Times New Roman" panose="02020603050405020304" pitchFamily="18" charset="0"/>
+                <a:cs typeface="Times New Roman" panose="02020603050405020304" pitchFamily="18" charset="0"/>
               </a:rPr>
               <a:t>hu </a:t>
             </a:r>
             <a:r>
               <a:rPr lang="vi-VN" dirty="0">
-                <a:latin typeface="Calibri" panose="020F0502020204030204" pitchFamily="34" charset="0"/>
-                <a:cs typeface="Arial" pitchFamily="34" charset="0"/>
+                <a:latin typeface="Times New Roman" panose="02020603050405020304" pitchFamily="18" charset="0"/>
+                <a:cs typeface="Times New Roman" panose="02020603050405020304" pitchFamily="18" charset="0"/>
               </a:rPr>
               <a:t>cầu lao động ngày càng </a:t>
             </a:r>
             <a:r>
               <a:rPr lang="en-US" dirty="0" err="1" smtClean="0">
-                <a:latin typeface="Calibri" panose="020F0502020204030204" pitchFamily="34" charset="0"/>
-                <a:cs typeface="Arial" panose="020B0604020202020204" pitchFamily="34" charset="0"/>
+                <a:latin typeface="Times New Roman" panose="02020603050405020304" pitchFamily="18" charset="0"/>
+                <a:cs typeface="Times New Roman" panose="02020603050405020304" pitchFamily="18" charset="0"/>
               </a:rPr>
               <a:t>tăng</a:t>
             </a:r>
             <a:endParaRPr lang="en-US" dirty="0">
-              <a:latin typeface="Calibri" panose="020F0502020204030204" pitchFamily="34" charset="0"/>
-              <a:cs typeface="Arial" panose="020B0604020202020204" pitchFamily="34" charset="0"/>
+              <a:latin typeface="Times New Roman" panose="02020603050405020304" pitchFamily="18" charset="0"/>
+              <a:cs typeface="Times New Roman" panose="02020603050405020304" pitchFamily="18" charset="0"/>
             </a:endParaRPr>
           </a:p>
           <a:p>
+            <a:pPr>
+              <a:buFont typeface="Arial" panose="020B0604020202020204" pitchFamily="34" charset="0"/>
+              <a:buChar char="•"/>
+            </a:pPr>
             <a:r>
               <a:rPr lang="vi-VN" dirty="0" smtClean="0">
-                <a:latin typeface="Calibri" panose="020F0502020204030204" pitchFamily="34" charset="0"/>
-                <a:cs typeface="Arial" pitchFamily="34" charset="0"/>
+                <a:latin typeface="Times New Roman" panose="02020603050405020304" pitchFamily="18" charset="0"/>
+                <a:cs typeface="Times New Roman" panose="02020603050405020304" pitchFamily="18" charset="0"/>
               </a:rPr>
               <a:t>Thông tin </a:t>
             </a:r>
             <a:r>
               <a:rPr lang="en-US" dirty="0" err="1" smtClean="0">
-                <a:cs typeface="Arial" pitchFamily="34" charset="0"/>
+                <a:latin typeface="Times New Roman" panose="02020603050405020304" pitchFamily="18" charset="0"/>
+                <a:cs typeface="Times New Roman" panose="02020603050405020304" pitchFamily="18" charset="0"/>
               </a:rPr>
               <a:t>việc</a:t>
             </a:r>
             <a:r>
               <a:rPr lang="en-US" dirty="0" smtClean="0">
-                <a:cs typeface="Arial" pitchFamily="34" charset="0"/>
+                <a:latin typeface="Times New Roman" panose="02020603050405020304" pitchFamily="18" charset="0"/>
+                <a:cs typeface="Times New Roman" panose="02020603050405020304" pitchFamily="18" charset="0"/>
               </a:rPr>
               <a:t> </a:t>
             </a:r>
             <a:r>
               <a:rPr lang="en-US" dirty="0" err="1" smtClean="0">
-                <a:cs typeface="Arial" pitchFamily="34" charset="0"/>
+                <a:latin typeface="Times New Roman" panose="02020603050405020304" pitchFamily="18" charset="0"/>
+                <a:cs typeface="Times New Roman" panose="02020603050405020304" pitchFamily="18" charset="0"/>
               </a:rPr>
               <a:t>làm</a:t>
             </a:r>
             <a:r>
               <a:rPr lang="en-US" dirty="0" smtClean="0">
-                <a:cs typeface="Arial" pitchFamily="34" charset="0"/>
+                <a:latin typeface="Times New Roman" panose="02020603050405020304" pitchFamily="18" charset="0"/>
+                <a:cs typeface="Times New Roman" panose="02020603050405020304" pitchFamily="18" charset="0"/>
               </a:rPr>
               <a:t> </a:t>
             </a:r>
             <a:r>
               <a:rPr lang="vi-VN" dirty="0" smtClean="0">
-                <a:latin typeface="Calibri" panose="020F0502020204030204" pitchFamily="34" charset="0"/>
-                <a:cs typeface="Arial" pitchFamily="34" charset="0"/>
+                <a:latin typeface="Times New Roman" panose="02020603050405020304" pitchFamily="18" charset="0"/>
+                <a:cs typeface="Times New Roman" panose="02020603050405020304" pitchFamily="18" charset="0"/>
               </a:rPr>
               <a:t>nhiều, phức tạp, khó tìm được công việc</a:t>
             </a:r>
             <a:r>
               <a:rPr lang="en-US" dirty="0" smtClean="0">
-                <a:latin typeface="Calibri" panose="020F0502020204030204" pitchFamily="34" charset="0"/>
-                <a:cs typeface="Arial" pitchFamily="34" charset="0"/>
+                <a:latin typeface="Times New Roman" panose="02020603050405020304" pitchFamily="18" charset="0"/>
+                <a:cs typeface="Times New Roman" panose="02020603050405020304" pitchFamily="18" charset="0"/>
               </a:rPr>
               <a:t> </a:t>
             </a:r>
             <a:r>
+              <a:rPr lang="en-US" dirty="0" err="1" smtClean="0">
+                <a:latin typeface="Times New Roman" panose="02020603050405020304" pitchFamily="18" charset="0"/>
+                <a:cs typeface="Times New Roman" panose="02020603050405020304" pitchFamily="18" charset="0"/>
+              </a:rPr>
+              <a:t>phù</a:t>
+            </a:r>
+            <a:r>
+              <a:rPr lang="en-US" dirty="0" smtClean="0">
+                <a:latin typeface="Times New Roman" panose="02020603050405020304" pitchFamily="18" charset="0"/>
+                <a:cs typeface="Times New Roman" panose="02020603050405020304" pitchFamily="18" charset="0"/>
+              </a:rPr>
+              <a:t> </a:t>
+            </a:r>
+            <a:r>
+              <a:rPr lang="en-US" dirty="0" err="1" smtClean="0">
+                <a:latin typeface="Times New Roman" panose="02020603050405020304" pitchFamily="18" charset="0"/>
+                <a:cs typeface="Times New Roman" panose="02020603050405020304" pitchFamily="18" charset="0"/>
+              </a:rPr>
+              <a:t>hợp</a:t>
+            </a:r>
+            <a:r>
+              <a:rPr lang="en-US" dirty="0" smtClean="0">
+                <a:latin typeface="Times New Roman" panose="02020603050405020304" pitchFamily="18" charset="0"/>
+                <a:cs typeface="Times New Roman" panose="02020603050405020304" pitchFamily="18" charset="0"/>
+              </a:rPr>
+              <a:t> </a:t>
+            </a:r>
+            <a:r>
               <a:rPr lang="vi-VN" dirty="0" smtClean="0">
-                <a:latin typeface="Calibri" panose="020F0502020204030204" pitchFamily="34" charset="0"/>
-                <a:cs typeface="Arial" pitchFamily="34" charset="0"/>
-              </a:rPr>
-              <a:t>với bản thân.</a:t>
+                <a:latin typeface="Times New Roman" panose="02020603050405020304" pitchFamily="18" charset="0"/>
+                <a:cs typeface="Times New Roman" panose="02020603050405020304" pitchFamily="18" charset="0"/>
+              </a:rPr>
+              <a:t>với </a:t>
+            </a:r>
+            <a:r>
+              <a:rPr lang="vi-VN" dirty="0" smtClean="0">
+                <a:latin typeface="Times New Roman" panose="02020603050405020304" pitchFamily="18" charset="0"/>
+                <a:cs typeface="Times New Roman" panose="02020603050405020304" pitchFamily="18" charset="0"/>
+              </a:rPr>
+              <a:t>bản thân.</a:t>
             </a:r>
             <a:endParaRPr lang="en-US" dirty="0" smtClean="0">
-              <a:latin typeface="Calibri" panose="020F0502020204030204" pitchFamily="34" charset="0"/>
-              <a:cs typeface="Arial" pitchFamily="34" charset="0"/>
+              <a:latin typeface="Times New Roman" panose="02020603050405020304" pitchFamily="18" charset="0"/>
+              <a:cs typeface="Times New Roman" panose="02020603050405020304" pitchFamily="18" charset="0"/>
             </a:endParaRPr>
           </a:p>
           <a:p>
@@ -8508,7 +8891,7 @@
           <a:p>
             <a:r>
               <a:rPr lang="vi-VN" dirty="0">
-                <a:latin typeface="Calibri" panose="020F0502020204030204" pitchFamily="34" charset="0"/>
+                <a:latin typeface="+mj-lt"/>
               </a:rPr>
               <a:t>Lượng người sử dụng smart phone ở Việt Nam cao. Điện thoại là thứ người dùng luôn mang bên người, việc cập nhật công việc mới còn nơi nào tốt hơn là trên smartphone.</a:t>
             </a:r>
@@ -8630,28 +9013,28 @@
                 <a:latin typeface="Times New Roman" panose="02020603050405020304" pitchFamily="18" charset="0"/>
                 <a:cs typeface="Times New Roman" panose="02020603050405020304" pitchFamily="18" charset="0"/>
               </a:rPr>
-              <a:t>lê</a:t>
-            </a:r>
-            <a:r>
-              <a:rPr lang="en-US" dirty="0" smtClean="0">
-                <a:latin typeface="Times New Roman" panose="02020603050405020304" pitchFamily="18" charset="0"/>
-                <a:cs typeface="Times New Roman" panose="02020603050405020304" pitchFamily="18" charset="0"/>
-              </a:rPr>
-              <a:t>̣ </a:t>
-            </a:r>
-            <a:r>
-              <a:rPr lang="en-US" dirty="0" err="1" smtClean="0">
-                <a:latin typeface="Times New Roman" panose="02020603050405020304" pitchFamily="18" charset="0"/>
-                <a:cs typeface="Times New Roman" panose="02020603050405020304" pitchFamily="18" charset="0"/>
-              </a:rPr>
-              <a:t>sư</a:t>
-            </a:r>
-            <a:r>
-              <a:rPr lang="en-US" dirty="0" smtClean="0">
-                <a:latin typeface="Times New Roman" panose="02020603050405020304" pitchFamily="18" charset="0"/>
-                <a:cs typeface="Times New Roman" panose="02020603050405020304" pitchFamily="18" charset="0"/>
-              </a:rPr>
-              <a:t>̉ </a:t>
+              <a:t>lệ</a:t>
+            </a:r>
+            <a:r>
+              <a:rPr lang="en-US" dirty="0" smtClean="0">
+                <a:latin typeface="Times New Roman" panose="02020603050405020304" pitchFamily="18" charset="0"/>
+                <a:cs typeface="Times New Roman" panose="02020603050405020304" pitchFamily="18" charset="0"/>
+              </a:rPr>
+              <a:t> </a:t>
+            </a:r>
+            <a:r>
+              <a:rPr lang="en-US" dirty="0" err="1" smtClean="0">
+                <a:latin typeface="Times New Roman" panose="02020603050405020304" pitchFamily="18" charset="0"/>
+                <a:cs typeface="Times New Roman" panose="02020603050405020304" pitchFamily="18" charset="0"/>
+              </a:rPr>
+              <a:t>sử</a:t>
+            </a:r>
+            <a:r>
+              <a:rPr lang="en-US" dirty="0" smtClean="0">
+                <a:latin typeface="Times New Roman" panose="02020603050405020304" pitchFamily="18" charset="0"/>
+                <a:cs typeface="Times New Roman" panose="02020603050405020304" pitchFamily="18" charset="0"/>
+              </a:rPr>
+              <a:t> </a:t>
             </a:r>
             <a:r>
               <a:rPr lang="en-US" dirty="0" err="1" smtClean="0">
@@ -8823,13 +9206,13 @@
             </a:pPr>
             <a:r>
               <a:rPr lang="vi-VN" b="1" dirty="0" smtClean="0">
-                <a:latin typeface="Calibri" panose="020F0502020204030204" pitchFamily="34" charset="0"/>
+                <a:latin typeface="+mj-lt"/>
               </a:rPr>
               <a:t>Trang web việc làm: </a:t>
             </a:r>
             <a:r>
               <a:rPr lang="vi-VN" dirty="0" smtClean="0">
-                <a:latin typeface="Calibri" panose="020F0502020204030204" pitchFamily="34" charset="0"/>
+                <a:latin typeface="+mj-lt"/>
               </a:rPr>
               <a:t>nguồn thông tin phong phú. Tuy nhiên, mất thời gian, phải liên tục cập nhật thủ công.</a:t>
             </a:r>
@@ -8841,18 +9224,18 @@
             </a:pPr>
             <a:r>
               <a:rPr lang="vi-VN" b="1" dirty="0" smtClean="0">
-                <a:latin typeface="Calibri" panose="020F0502020204030204" pitchFamily="34" charset="0"/>
+                <a:latin typeface="+mj-lt"/>
               </a:rPr>
               <a:t>Đăng ký nhận mail: </a:t>
             </a:r>
             <a:r>
               <a:rPr lang="vi-VN" dirty="0" smtClean="0">
-                <a:latin typeface="Calibri" panose="020F0502020204030204" pitchFamily="34" charset="0"/>
+                <a:latin typeface="+mj-lt"/>
               </a:rPr>
               <a:t>có thể nhận thông tin tuyển dụng từ nhiều trang web, tiết kiệm thời gian. Tuy nhiên, cách này khiến thông tin dễ bị lẫn lộn, giao diện không trực quan, tin nhắn spam từ trang tuyển dụng. </a:t>
             </a:r>
             <a:endParaRPr lang="en-US" dirty="0" smtClean="0">
-              <a:latin typeface="Calibri" panose="020F0502020204030204" pitchFamily="34" charset="0"/>
+              <a:latin typeface="+mj-lt"/>
             </a:endParaRPr>
           </a:p>
           <a:p>
@@ -8862,158 +9245,158 @@
             </a:pPr>
             <a:r>
               <a:rPr lang="en-US" b="1" dirty="0" err="1" smtClean="0">
-                <a:latin typeface="Calibri" panose="020F0502020204030204" pitchFamily="34" charset="0"/>
+                <a:latin typeface="+mj-lt"/>
                 <a:cs typeface="Times New Roman" panose="02020603050405020304" pitchFamily="18" charset="0"/>
               </a:rPr>
               <a:t>Ứng</a:t>
             </a:r>
             <a:r>
               <a:rPr lang="en-US" b="1" dirty="0" smtClean="0">
-                <a:latin typeface="Calibri" panose="020F0502020204030204" pitchFamily="34" charset="0"/>
+                <a:latin typeface="+mj-lt"/>
                 <a:cs typeface="Times New Roman" panose="02020603050405020304" pitchFamily="18" charset="0"/>
               </a:rPr>
               <a:t> </a:t>
             </a:r>
             <a:r>
               <a:rPr lang="en-US" b="1" dirty="0" err="1" smtClean="0">
-                <a:latin typeface="Calibri" panose="020F0502020204030204" pitchFamily="34" charset="0"/>
+                <a:latin typeface="+mj-lt"/>
                 <a:cs typeface="Times New Roman" panose="02020603050405020304" pitchFamily="18" charset="0"/>
               </a:rPr>
               <a:t>dụng</a:t>
             </a:r>
             <a:r>
               <a:rPr lang="en-US" b="1" dirty="0" smtClean="0">
-                <a:latin typeface="Calibri" panose="020F0502020204030204" pitchFamily="34" charset="0"/>
+                <a:latin typeface="+mj-lt"/>
                 <a:cs typeface="Times New Roman" panose="02020603050405020304" pitchFamily="18" charset="0"/>
               </a:rPr>
               <a:t> di </a:t>
             </a:r>
             <a:r>
               <a:rPr lang="en-US" b="1" dirty="0" err="1" smtClean="0">
-                <a:latin typeface="Calibri" panose="020F0502020204030204" pitchFamily="34" charset="0"/>
+                <a:latin typeface="+mj-lt"/>
                 <a:cs typeface="Times New Roman" panose="02020603050405020304" pitchFamily="18" charset="0"/>
               </a:rPr>
               <a:t>động</a:t>
             </a:r>
             <a:r>
               <a:rPr lang="en-US" b="1" dirty="0" smtClean="0">
-                <a:latin typeface="Calibri" panose="020F0502020204030204" pitchFamily="34" charset="0"/>
+                <a:latin typeface="+mj-lt"/>
                 <a:cs typeface="Times New Roman" panose="02020603050405020304" pitchFamily="18" charset="0"/>
               </a:rPr>
               <a:t> </a:t>
             </a:r>
             <a:r>
               <a:rPr lang="en-US" b="1" dirty="0" err="1" smtClean="0">
-                <a:latin typeface="Calibri" panose="020F0502020204030204" pitchFamily="34" charset="0"/>
+                <a:latin typeface="+mj-lt"/>
                 <a:cs typeface="Times New Roman" panose="02020603050405020304" pitchFamily="18" charset="0"/>
               </a:rPr>
               <a:t>của</a:t>
             </a:r>
             <a:r>
               <a:rPr lang="en-US" b="1" dirty="0">
-                <a:latin typeface="Calibri" panose="020F0502020204030204" pitchFamily="34" charset="0"/>
+                <a:latin typeface="+mj-lt"/>
                 <a:cs typeface="Times New Roman" panose="02020603050405020304" pitchFamily="18" charset="0"/>
               </a:rPr>
               <a:t> </a:t>
             </a:r>
             <a:r>
               <a:rPr lang="en-US" b="1" dirty="0" smtClean="0">
-                <a:latin typeface="Calibri" panose="020F0502020204030204" pitchFamily="34" charset="0"/>
+                <a:latin typeface="+mj-lt"/>
                 <a:cs typeface="Times New Roman" panose="02020603050405020304" pitchFamily="18" charset="0"/>
               </a:rPr>
               <a:t>website </a:t>
             </a:r>
             <a:r>
               <a:rPr lang="en-US" b="1" dirty="0" err="1" smtClean="0">
-                <a:latin typeface="Calibri" panose="020F0502020204030204" pitchFamily="34" charset="0"/>
+                <a:latin typeface="+mj-lt"/>
                 <a:cs typeface="Times New Roman" panose="02020603050405020304" pitchFamily="18" charset="0"/>
               </a:rPr>
               <a:t>việc</a:t>
             </a:r>
             <a:r>
               <a:rPr lang="en-US" b="1" dirty="0" smtClean="0">
-                <a:latin typeface="Calibri" panose="020F0502020204030204" pitchFamily="34" charset="0"/>
+                <a:latin typeface="+mj-lt"/>
                 <a:cs typeface="Times New Roman" panose="02020603050405020304" pitchFamily="18" charset="0"/>
               </a:rPr>
               <a:t> </a:t>
             </a:r>
             <a:r>
               <a:rPr lang="en-US" b="1" dirty="0" err="1" smtClean="0">
-                <a:latin typeface="Calibri" panose="020F0502020204030204" pitchFamily="34" charset="0"/>
+                <a:latin typeface="+mj-lt"/>
                 <a:cs typeface="Times New Roman" panose="02020603050405020304" pitchFamily="18" charset="0"/>
               </a:rPr>
               <a:t>làm</a:t>
             </a:r>
             <a:r>
               <a:rPr lang="vi-VN" dirty="0" smtClean="0">
-                <a:latin typeface="Calibri" panose="020F0502020204030204" pitchFamily="34" charset="0"/>
+                <a:latin typeface="+mj-lt"/>
                 <a:cs typeface="Times New Roman" panose="02020603050405020304" pitchFamily="18" charset="0"/>
               </a:rPr>
               <a:t>: </a:t>
             </a:r>
             <a:r>
               <a:rPr lang="vi-VN" dirty="0" smtClean="0">
-                <a:latin typeface="Calibri" panose="020F0502020204030204" pitchFamily="34" charset="0"/>
+                <a:latin typeface="+mj-lt"/>
               </a:rPr>
               <a:t>trực quan, </a:t>
             </a:r>
             <a:r>
               <a:rPr lang="en-US" dirty="0" err="1" smtClean="0">
-                <a:latin typeface="Calibri" panose="020F0502020204030204" pitchFamily="34" charset="0"/>
+                <a:latin typeface="+mj-lt"/>
                 <a:cs typeface="Times New Roman" panose="02020603050405020304" pitchFamily="18" charset="0"/>
               </a:rPr>
               <a:t>tư</a:t>
             </a:r>
             <a:r>
               <a:rPr lang="en-US" dirty="0" smtClean="0">
-                <a:latin typeface="Calibri" panose="020F0502020204030204" pitchFamily="34" charset="0"/>
+                <a:latin typeface="+mj-lt"/>
                 <a:cs typeface="Times New Roman" panose="02020603050405020304" pitchFamily="18" charset="0"/>
               </a:rPr>
               <a:t>̣ </a:t>
             </a:r>
             <a:r>
               <a:rPr lang="en-US" dirty="0" err="1" smtClean="0">
-                <a:latin typeface="Calibri" panose="020F0502020204030204" pitchFamily="34" charset="0"/>
+                <a:latin typeface="+mj-lt"/>
                 <a:cs typeface="Times New Roman" panose="02020603050405020304" pitchFamily="18" charset="0"/>
               </a:rPr>
               <a:t>động</a:t>
             </a:r>
             <a:r>
               <a:rPr lang="en-US" dirty="0" smtClean="0">
-                <a:latin typeface="Calibri" panose="020F0502020204030204" pitchFamily="34" charset="0"/>
+                <a:latin typeface="+mj-lt"/>
                 <a:cs typeface="Times New Roman" panose="02020603050405020304" pitchFamily="18" charset="0"/>
               </a:rPr>
               <a:t> </a:t>
             </a:r>
             <a:r>
               <a:rPr lang="en-US" dirty="0" err="1" smtClean="0">
-                <a:latin typeface="Calibri" panose="020F0502020204030204" pitchFamily="34" charset="0"/>
+                <a:latin typeface="+mj-lt"/>
                 <a:cs typeface="Times New Roman" panose="02020603050405020304" pitchFamily="18" charset="0"/>
               </a:rPr>
               <a:t>cập</a:t>
             </a:r>
             <a:r>
               <a:rPr lang="en-US" dirty="0" smtClean="0">
-                <a:latin typeface="Calibri" panose="020F0502020204030204" pitchFamily="34" charset="0"/>
+                <a:latin typeface="+mj-lt"/>
                 <a:cs typeface="Times New Roman" panose="02020603050405020304" pitchFamily="18" charset="0"/>
               </a:rPr>
               <a:t> </a:t>
             </a:r>
             <a:r>
               <a:rPr lang="en-US" dirty="0" err="1" smtClean="0">
-                <a:latin typeface="Calibri" panose="020F0502020204030204" pitchFamily="34" charset="0"/>
+                <a:latin typeface="+mj-lt"/>
                 <a:cs typeface="Times New Roman" panose="02020603050405020304" pitchFamily="18" charset="0"/>
               </a:rPr>
               <a:t>nhật</a:t>
             </a:r>
             <a:r>
               <a:rPr lang="vi-VN" dirty="0" smtClean="0">
-                <a:latin typeface="Calibri" panose="020F0502020204030204" pitchFamily="34" charset="0"/>
+                <a:latin typeface="+mj-lt"/>
               </a:rPr>
               <a:t>, tiết kiệm thời gian. Nhưng chỉ nhận thông tin từ 1 trang web. (Điều kiện: cần có smart phone)</a:t>
             </a:r>
             <a:endParaRPr lang="en-US" dirty="0" smtClean="0">
-              <a:latin typeface="Calibri" panose="020F0502020204030204" pitchFamily="34" charset="0"/>
+              <a:latin typeface="+mj-lt"/>
             </a:endParaRPr>
           </a:p>
           <a:p>
@@ -9026,7 +9409,7 @@
                 <a:solidFill>
                   <a:srgbClr val="0070C0"/>
                 </a:solidFill>
-                <a:latin typeface="Calibri" panose="020F0502020204030204" pitchFamily="34" charset="0"/>
+                <a:latin typeface="+mj-lt"/>
                 <a:cs typeface="Times New Roman" panose="02020603050405020304" pitchFamily="18" charset="0"/>
               </a:rPr>
               <a:t>Ư</a:t>
@@ -9036,7 +9419,7 @@
                 <a:solidFill>
                   <a:srgbClr val="0070C0"/>
                 </a:solidFill>
-                <a:latin typeface="Calibri" panose="020F0502020204030204" pitchFamily="34" charset="0"/>
+                <a:latin typeface="+mj-lt"/>
                 <a:cs typeface="Times New Roman" panose="02020603050405020304" pitchFamily="18" charset="0"/>
               </a:rPr>
               <a:t>́ng </a:t>
@@ -9046,7 +9429,7 @@
                 <a:solidFill>
                   <a:srgbClr val="0070C0"/>
                 </a:solidFill>
-                <a:latin typeface="Calibri" panose="020F0502020204030204" pitchFamily="34" charset="0"/>
+                <a:latin typeface="+mj-lt"/>
                 <a:cs typeface="Times New Roman" panose="02020603050405020304" pitchFamily="18" charset="0"/>
               </a:rPr>
               <a:t>dụng</a:t>
@@ -9056,7 +9439,7 @@
                 <a:solidFill>
                   <a:srgbClr val="0070C0"/>
                 </a:solidFill>
-                <a:latin typeface="Calibri" panose="020F0502020204030204" pitchFamily="34" charset="0"/>
+                <a:latin typeface="+mj-lt"/>
                 <a:cs typeface="Times New Roman" panose="02020603050405020304" pitchFamily="18" charset="0"/>
               </a:rPr>
               <a:t> </a:t>
@@ -9066,7 +9449,7 @@
                 <a:solidFill>
                   <a:srgbClr val="0070C0"/>
                 </a:solidFill>
-                <a:latin typeface="Calibri" panose="020F0502020204030204" pitchFamily="34" charset="0"/>
+                <a:latin typeface="+mj-lt"/>
                 <a:cs typeface="Times New Roman" panose="02020603050405020304" pitchFamily="18" charset="0"/>
               </a:rPr>
               <a:t>Khuyến</a:t>
@@ -9076,7 +9459,7 @@
                 <a:solidFill>
                   <a:srgbClr val="0070C0"/>
                 </a:solidFill>
-                <a:latin typeface="Calibri" panose="020F0502020204030204" pitchFamily="34" charset="0"/>
+                <a:latin typeface="+mj-lt"/>
                 <a:cs typeface="Times New Roman" panose="02020603050405020304" pitchFamily="18" charset="0"/>
               </a:rPr>
               <a:t> </a:t>
@@ -9086,7 +9469,7 @@
                 <a:solidFill>
                   <a:srgbClr val="0070C0"/>
                 </a:solidFill>
-                <a:latin typeface="Calibri" panose="020F0502020204030204" pitchFamily="34" charset="0"/>
+                <a:latin typeface="+mj-lt"/>
                 <a:cs typeface="Times New Roman" panose="02020603050405020304" pitchFamily="18" charset="0"/>
               </a:rPr>
               <a:t>nghi</a:t>
@@ -9096,7 +9479,7 @@
                 <a:solidFill>
                   <a:srgbClr val="0070C0"/>
                 </a:solidFill>
-                <a:latin typeface="Calibri" panose="020F0502020204030204" pitchFamily="34" charset="0"/>
+                <a:latin typeface="+mj-lt"/>
                 <a:cs typeface="Times New Roman" panose="02020603050405020304" pitchFamily="18" charset="0"/>
               </a:rPr>
               <a:t>̣ </a:t>
@@ -9106,7 +9489,7 @@
                 <a:solidFill>
                   <a:srgbClr val="0070C0"/>
                 </a:solidFill>
-                <a:latin typeface="Calibri" panose="020F0502020204030204" pitchFamily="34" charset="0"/>
+                <a:latin typeface="+mj-lt"/>
                 <a:cs typeface="Times New Roman" panose="02020603050405020304" pitchFamily="18" charset="0"/>
               </a:rPr>
               <a:t>việc</a:t>
@@ -9116,7 +9499,7 @@
                 <a:solidFill>
                   <a:srgbClr val="0070C0"/>
                 </a:solidFill>
-                <a:latin typeface="Calibri" panose="020F0502020204030204" pitchFamily="34" charset="0"/>
+                <a:latin typeface="+mj-lt"/>
                 <a:cs typeface="Times New Roman" panose="02020603050405020304" pitchFamily="18" charset="0"/>
               </a:rPr>
               <a:t> </a:t>
@@ -9126,7 +9509,7 @@
                 <a:solidFill>
                   <a:srgbClr val="0070C0"/>
                 </a:solidFill>
-                <a:latin typeface="Calibri" panose="020F0502020204030204" pitchFamily="34" charset="0"/>
+                <a:latin typeface="+mj-lt"/>
                 <a:cs typeface="Times New Roman" panose="02020603050405020304" pitchFamily="18" charset="0"/>
               </a:rPr>
               <a:t>làm</a:t>
@@ -9136,259 +9519,280 @@
                 <a:solidFill>
                   <a:srgbClr val="0070C0"/>
                 </a:solidFill>
-                <a:latin typeface="Calibri" panose="020F0502020204030204" pitchFamily="34" charset="0"/>
+                <a:latin typeface="+mj-lt"/>
                 <a:cs typeface="Times New Roman" panose="02020603050405020304" pitchFamily="18" charset="0"/>
               </a:rPr>
               <a:t>: </a:t>
             </a:r>
             <a:r>
               <a:rPr lang="vi-VN" dirty="0" smtClean="0">
-                <a:latin typeface="Calibri" panose="020F0502020204030204" pitchFamily="34" charset="0"/>
+                <a:latin typeface="+mj-lt"/>
                 <a:cs typeface="Times New Roman" panose="02020603050405020304" pitchFamily="18" charset="0"/>
               </a:rPr>
               <a:t>trực quan</a:t>
             </a:r>
             <a:r>
               <a:rPr lang="en-US" dirty="0" smtClean="0">
-                <a:latin typeface="Calibri" panose="020F0502020204030204" pitchFamily="34" charset="0"/>
+                <a:latin typeface="+mj-lt"/>
                 <a:cs typeface="Times New Roman" panose="02020603050405020304" pitchFamily="18" charset="0"/>
               </a:rPr>
               <a:t>, </a:t>
             </a:r>
             <a:r>
               <a:rPr lang="en-US" dirty="0" err="1" smtClean="0">
-                <a:latin typeface="Calibri" panose="020F0502020204030204" pitchFamily="34" charset="0"/>
+                <a:latin typeface="+mj-lt"/>
                 <a:cs typeface="Times New Roman" panose="02020603050405020304" pitchFamily="18" charset="0"/>
               </a:rPr>
               <a:t>tư</a:t>
             </a:r>
             <a:r>
               <a:rPr lang="en-US" dirty="0" smtClean="0">
-                <a:latin typeface="Calibri" panose="020F0502020204030204" pitchFamily="34" charset="0"/>
+                <a:latin typeface="+mj-lt"/>
                 <a:cs typeface="Times New Roman" panose="02020603050405020304" pitchFamily="18" charset="0"/>
               </a:rPr>
               <a:t>̣ </a:t>
             </a:r>
             <a:r>
               <a:rPr lang="en-US" dirty="0" err="1" smtClean="0">
-                <a:latin typeface="Calibri" panose="020F0502020204030204" pitchFamily="34" charset="0"/>
+                <a:latin typeface="+mj-lt"/>
                 <a:cs typeface="Times New Roman" panose="02020603050405020304" pitchFamily="18" charset="0"/>
               </a:rPr>
               <a:t>động</a:t>
             </a:r>
             <a:r>
               <a:rPr lang="en-US" dirty="0" smtClean="0">
-                <a:latin typeface="Calibri" panose="020F0502020204030204" pitchFamily="34" charset="0"/>
+                <a:latin typeface="+mj-lt"/>
                 <a:cs typeface="Times New Roman" panose="02020603050405020304" pitchFamily="18" charset="0"/>
               </a:rPr>
               <a:t> </a:t>
             </a:r>
             <a:r>
               <a:rPr lang="en-US" dirty="0" err="1" smtClean="0">
-                <a:latin typeface="Calibri" panose="020F0502020204030204" pitchFamily="34" charset="0"/>
+                <a:latin typeface="+mj-lt"/>
                 <a:cs typeface="Times New Roman" panose="02020603050405020304" pitchFamily="18" charset="0"/>
               </a:rPr>
               <a:t>cập</a:t>
             </a:r>
             <a:r>
               <a:rPr lang="en-US" dirty="0" smtClean="0">
-                <a:latin typeface="Calibri" panose="020F0502020204030204" pitchFamily="34" charset="0"/>
+                <a:latin typeface="+mj-lt"/>
                 <a:cs typeface="Times New Roman" panose="02020603050405020304" pitchFamily="18" charset="0"/>
               </a:rPr>
               <a:t> </a:t>
             </a:r>
             <a:r>
               <a:rPr lang="en-US" dirty="0" err="1" smtClean="0">
-                <a:latin typeface="Calibri" panose="020F0502020204030204" pitchFamily="34" charset="0"/>
+                <a:latin typeface="+mj-lt"/>
                 <a:cs typeface="Times New Roman" panose="02020603050405020304" pitchFamily="18" charset="0"/>
               </a:rPr>
               <a:t>nhật</a:t>
             </a:r>
             <a:r>
               <a:rPr lang="en-US" dirty="0" smtClean="0">
-                <a:latin typeface="Calibri" panose="020F0502020204030204" pitchFamily="34" charset="0"/>
+                <a:latin typeface="+mj-lt"/>
                 <a:cs typeface="Times New Roman" panose="02020603050405020304" pitchFamily="18" charset="0"/>
               </a:rPr>
               <a:t>, </a:t>
             </a:r>
             <a:r>
               <a:rPr lang="en-US" dirty="0" err="1" smtClean="0">
-                <a:latin typeface="Calibri" panose="020F0502020204030204" pitchFamily="34" charset="0"/>
+                <a:latin typeface="+mj-lt"/>
                 <a:cs typeface="Times New Roman" panose="02020603050405020304" pitchFamily="18" charset="0"/>
               </a:rPr>
               <a:t>tiết</a:t>
             </a:r>
             <a:r>
               <a:rPr lang="en-US" dirty="0" smtClean="0">
-                <a:latin typeface="Calibri" panose="020F0502020204030204" pitchFamily="34" charset="0"/>
+                <a:latin typeface="+mj-lt"/>
                 <a:cs typeface="Times New Roman" panose="02020603050405020304" pitchFamily="18" charset="0"/>
               </a:rPr>
               <a:t> </a:t>
             </a:r>
             <a:r>
               <a:rPr lang="en-US" dirty="0" err="1" smtClean="0">
-                <a:latin typeface="Calibri" panose="020F0502020204030204" pitchFamily="34" charset="0"/>
+                <a:latin typeface="+mj-lt"/>
                 <a:cs typeface="Times New Roman" panose="02020603050405020304" pitchFamily="18" charset="0"/>
               </a:rPr>
               <a:t>kiệm</a:t>
             </a:r>
             <a:r>
               <a:rPr lang="en-US" dirty="0" smtClean="0">
-                <a:latin typeface="Calibri" panose="020F0502020204030204" pitchFamily="34" charset="0"/>
+                <a:latin typeface="+mj-lt"/>
                 <a:cs typeface="Times New Roman" panose="02020603050405020304" pitchFamily="18" charset="0"/>
               </a:rPr>
               <a:t> </a:t>
             </a:r>
             <a:r>
               <a:rPr lang="en-US" dirty="0" err="1" smtClean="0">
-                <a:latin typeface="Calibri" panose="020F0502020204030204" pitchFamily="34" charset="0"/>
+                <a:latin typeface="+mj-lt"/>
                 <a:cs typeface="Times New Roman" panose="02020603050405020304" pitchFamily="18" charset="0"/>
               </a:rPr>
               <a:t>thời</a:t>
             </a:r>
             <a:r>
               <a:rPr lang="en-US" dirty="0" smtClean="0">
-                <a:latin typeface="Calibri" panose="020F0502020204030204" pitchFamily="34" charset="0"/>
+                <a:latin typeface="+mj-lt"/>
                 <a:cs typeface="Times New Roman" panose="02020603050405020304" pitchFamily="18" charset="0"/>
               </a:rPr>
               <a:t> </a:t>
             </a:r>
             <a:r>
               <a:rPr lang="en-US" dirty="0" err="1" smtClean="0">
-                <a:latin typeface="Calibri" panose="020F0502020204030204" pitchFamily="34" charset="0"/>
+                <a:latin typeface="+mj-lt"/>
                 <a:cs typeface="Times New Roman" panose="02020603050405020304" pitchFamily="18" charset="0"/>
               </a:rPr>
               <a:t>gian</a:t>
             </a:r>
             <a:r>
               <a:rPr lang="en-US" dirty="0" smtClean="0">
-                <a:latin typeface="Calibri" panose="020F0502020204030204" pitchFamily="34" charset="0"/>
+                <a:latin typeface="+mj-lt"/>
                 <a:cs typeface="Times New Roman" panose="02020603050405020304" pitchFamily="18" charset="0"/>
               </a:rPr>
               <a:t>, </a:t>
             </a:r>
             <a:r>
               <a:rPr lang="en-US" dirty="0" err="1" smtClean="0">
-                <a:latin typeface="Calibri" panose="020F0502020204030204" pitchFamily="34" charset="0"/>
+                <a:latin typeface="+mj-lt"/>
                 <a:cs typeface="Times New Roman" panose="02020603050405020304" pitchFamily="18" charset="0"/>
               </a:rPr>
               <a:t>nguồn</a:t>
             </a:r>
             <a:r>
               <a:rPr lang="en-US" dirty="0" smtClean="0">
-                <a:latin typeface="Calibri" panose="020F0502020204030204" pitchFamily="34" charset="0"/>
+                <a:latin typeface="+mj-lt"/>
                 <a:cs typeface="Times New Roman" panose="02020603050405020304" pitchFamily="18" charset="0"/>
               </a:rPr>
               <a:t> </a:t>
             </a:r>
             <a:r>
               <a:rPr lang="en-US" dirty="0" err="1" smtClean="0">
-                <a:latin typeface="Calibri" panose="020F0502020204030204" pitchFamily="34" charset="0"/>
+                <a:latin typeface="+mj-lt"/>
                 <a:cs typeface="Times New Roman" panose="02020603050405020304" pitchFamily="18" charset="0"/>
               </a:rPr>
               <a:t>thông</a:t>
             </a:r>
             <a:r>
               <a:rPr lang="en-US" dirty="0" smtClean="0">
-                <a:latin typeface="Calibri" panose="020F0502020204030204" pitchFamily="34" charset="0"/>
+                <a:latin typeface="+mj-lt"/>
                 <a:cs typeface="Times New Roman" panose="02020603050405020304" pitchFamily="18" charset="0"/>
               </a:rPr>
               <a:t> tin </a:t>
             </a:r>
             <a:r>
               <a:rPr lang="en-US" dirty="0" err="1" smtClean="0">
-                <a:latin typeface="Calibri" panose="020F0502020204030204" pitchFamily="34" charset="0"/>
+                <a:latin typeface="+mj-lt"/>
                 <a:cs typeface="Times New Roman" panose="02020603050405020304" pitchFamily="18" charset="0"/>
               </a:rPr>
               <a:t>đa</a:t>
             </a:r>
             <a:r>
               <a:rPr lang="en-US" dirty="0" smtClean="0">
-                <a:latin typeface="Calibri" panose="020F0502020204030204" pitchFamily="34" charset="0"/>
+                <a:latin typeface="+mj-lt"/>
                 <a:cs typeface="Times New Roman" panose="02020603050405020304" pitchFamily="18" charset="0"/>
               </a:rPr>
               <a:t> </a:t>
             </a:r>
             <a:r>
               <a:rPr lang="en-US" dirty="0" err="1" smtClean="0">
-                <a:latin typeface="Calibri" panose="020F0502020204030204" pitchFamily="34" charset="0"/>
+                <a:latin typeface="+mj-lt"/>
                 <a:cs typeface="Times New Roman" panose="02020603050405020304" pitchFamily="18" charset="0"/>
               </a:rPr>
               <a:t>dạng</a:t>
             </a:r>
             <a:r>
               <a:rPr lang="en-US" dirty="0" smtClean="0">
-                <a:latin typeface="Calibri" panose="020F0502020204030204" pitchFamily="34" charset="0"/>
+                <a:latin typeface="+mj-lt"/>
                 <a:cs typeface="Times New Roman" panose="02020603050405020304" pitchFamily="18" charset="0"/>
               </a:rPr>
               <a:t>, </a:t>
             </a:r>
             <a:r>
               <a:rPr lang="en-US" dirty="0" err="1" smtClean="0">
-                <a:latin typeface="Calibri" panose="020F0502020204030204" pitchFamily="34" charset="0"/>
+                <a:latin typeface="+mj-lt"/>
                 <a:cs typeface="Times New Roman" panose="02020603050405020304" pitchFamily="18" charset="0"/>
               </a:rPr>
               <a:t>tính</a:t>
             </a:r>
             <a:r>
               <a:rPr lang="en-US" dirty="0" smtClean="0">
-                <a:latin typeface="Calibri" panose="020F0502020204030204" pitchFamily="34" charset="0"/>
+                <a:latin typeface="+mj-lt"/>
                 <a:cs typeface="Times New Roman" panose="02020603050405020304" pitchFamily="18" charset="0"/>
               </a:rPr>
               <a:t> </a:t>
             </a:r>
             <a:r>
               <a:rPr lang="en-US" dirty="0" err="1" smtClean="0">
-                <a:latin typeface="Calibri" panose="020F0502020204030204" pitchFamily="34" charset="0"/>
+                <a:latin typeface="+mj-lt"/>
                 <a:cs typeface="Times New Roman" panose="02020603050405020304" pitchFamily="18" charset="0"/>
               </a:rPr>
               <a:t>năng</a:t>
             </a:r>
             <a:r>
               <a:rPr lang="en-US" dirty="0" smtClean="0">
-                <a:latin typeface="Calibri" panose="020F0502020204030204" pitchFamily="34" charset="0"/>
-                <a:cs typeface="Times New Roman" panose="02020603050405020304" pitchFamily="18" charset="0"/>
-              </a:rPr>
-              <a:t> chia sẽ. (</a:t>
-            </a:r>
-            <a:r>
-              <a:rPr lang="en-US" dirty="0" err="1" smtClean="0">
-                <a:latin typeface="Calibri" panose="020F0502020204030204" pitchFamily="34" charset="0"/>
+                <a:latin typeface="+mj-lt"/>
+                <a:cs typeface="Times New Roman" panose="02020603050405020304" pitchFamily="18" charset="0"/>
+              </a:rPr>
+              <a:t> chia </a:t>
+            </a:r>
+            <a:r>
+              <a:rPr lang="en-US" dirty="0" err="1" smtClean="0">
+                <a:latin typeface="+mj-lt"/>
+                <a:cs typeface="Times New Roman" panose="02020603050405020304" pitchFamily="18" charset="0"/>
+              </a:rPr>
+              <a:t>sẻ</a:t>
+            </a:r>
+            <a:r>
+              <a:rPr lang="en-US" dirty="0" smtClean="0">
+                <a:latin typeface="+mj-lt"/>
+                <a:cs typeface="Times New Roman" panose="02020603050405020304" pitchFamily="18" charset="0"/>
+              </a:rPr>
+              <a:t>. </a:t>
+            </a:r>
+            <a:r>
+              <a:rPr lang="en-US" dirty="0" smtClean="0">
+                <a:latin typeface="+mj-lt"/>
+                <a:cs typeface="Times New Roman" panose="02020603050405020304" pitchFamily="18" charset="0"/>
+              </a:rPr>
+              <a:t>(</a:t>
+            </a:r>
+            <a:r>
+              <a:rPr lang="en-US" dirty="0" err="1" smtClean="0">
+                <a:latin typeface="+mj-lt"/>
                 <a:cs typeface="Times New Roman" panose="02020603050405020304" pitchFamily="18" charset="0"/>
               </a:rPr>
               <a:t>Điều</a:t>
             </a:r>
             <a:r>
               <a:rPr lang="en-US" dirty="0" smtClean="0">
-                <a:latin typeface="Calibri" panose="020F0502020204030204" pitchFamily="34" charset="0"/>
+                <a:latin typeface="+mj-lt"/>
                 <a:cs typeface="Times New Roman" panose="02020603050405020304" pitchFamily="18" charset="0"/>
               </a:rPr>
               <a:t> </a:t>
             </a:r>
             <a:r>
               <a:rPr lang="en-US" dirty="0" err="1" smtClean="0">
-                <a:latin typeface="Calibri" panose="020F0502020204030204" pitchFamily="34" charset="0"/>
+                <a:latin typeface="+mj-lt"/>
                 <a:cs typeface="Times New Roman" panose="02020603050405020304" pitchFamily="18" charset="0"/>
               </a:rPr>
               <a:t>kiện</a:t>
             </a:r>
             <a:r>
               <a:rPr lang="en-US" dirty="0" smtClean="0">
-                <a:latin typeface="Calibri" panose="020F0502020204030204" pitchFamily="34" charset="0"/>
+                <a:latin typeface="+mj-lt"/>
                 <a:cs typeface="Times New Roman" panose="02020603050405020304" pitchFamily="18" charset="0"/>
               </a:rPr>
               <a:t>: </a:t>
             </a:r>
             <a:r>
               <a:rPr lang="en-US" dirty="0" err="1" smtClean="0">
-                <a:latin typeface="Calibri" panose="020F0502020204030204" pitchFamily="34" charset="0"/>
+                <a:latin typeface="+mj-lt"/>
                 <a:cs typeface="Times New Roman" panose="02020603050405020304" pitchFamily="18" charset="0"/>
               </a:rPr>
               <a:t>cần</a:t>
             </a:r>
             <a:r>
               <a:rPr lang="en-US" dirty="0" smtClean="0">
-                <a:latin typeface="Calibri" panose="020F0502020204030204" pitchFamily="34" charset="0"/>
+                <a:latin typeface="+mj-lt"/>
                 <a:cs typeface="Times New Roman" panose="02020603050405020304" pitchFamily="18" charset="0"/>
               </a:rPr>
               <a:t> có smart phone)</a:t>
@@ -9807,7 +10211,7 @@
         <p:spPr>
           <a:xfrm>
             <a:off x="822960" y="2057400"/>
-            <a:ext cx="4495800" cy="1459468"/>
+            <a:ext cx="4190953" cy="3064430"/>
           </a:xfrm>
         </p:spPr>
         <p:txBody>
@@ -9842,7 +10246,7 @@
                 <a:latin typeface="Times New Roman" panose="02020603050405020304" pitchFamily="18" charset="0"/>
                 <a:cs typeface="Times New Roman" panose="02020603050405020304" pitchFamily="18" charset="0"/>
               </a:rPr>
-              <a:t>Hiển</a:t>
+              <a:t>Cung</a:t>
             </a:r>
             <a:r>
               <a:rPr lang="en-US" dirty="0" smtClean="0">
@@ -9856,21 +10260,7 @@
                 <a:latin typeface="Times New Roman" panose="02020603050405020304" pitchFamily="18" charset="0"/>
                 <a:cs typeface="Times New Roman" panose="02020603050405020304" pitchFamily="18" charset="0"/>
               </a:rPr>
-              <a:t>thi</a:t>
-            </a:r>
-            <a:r>
-              <a:rPr lang="en-US" dirty="0" smtClean="0">
-                <a:latin typeface="Times New Roman" panose="02020603050405020304" pitchFamily="18" charset="0"/>
-                <a:cs typeface="Times New Roman" panose="02020603050405020304" pitchFamily="18" charset="0"/>
-              </a:rPr>
-              <a:t>̣ </a:t>
-            </a:r>
-            <a:r>
-              <a:rPr lang="en-US" dirty="0" err="1" smtClean="0">
-                <a:latin typeface="Times New Roman" panose="02020603050405020304" pitchFamily="18" charset="0"/>
-                <a:cs typeface="Times New Roman" panose="02020603050405020304" pitchFamily="18" charset="0"/>
-              </a:rPr>
-              <a:t>danh</a:t>
+              <a:t>cấp</a:t>
             </a:r>
             <a:r>
               <a:rPr lang="en-US" dirty="0" smtClean="0">
@@ -9880,46 +10270,39 @@
               <a:t> </a:t>
             </a:r>
             <a:r>
-              <a:rPr lang="en-US" dirty="0" err="1" smtClean="0">
-                <a:latin typeface="Times New Roman" panose="02020603050405020304" pitchFamily="18" charset="0"/>
-                <a:cs typeface="Times New Roman" panose="02020603050405020304" pitchFamily="18" charset="0"/>
-              </a:rPr>
-              <a:t>sách</a:t>
-            </a:r>
-            <a:r>
-              <a:rPr lang="en-US" dirty="0" smtClean="0">
+              <a:rPr lang="vi-VN" dirty="0" smtClean="0">
+                <a:latin typeface="Times New Roman" panose="02020603050405020304" pitchFamily="18" charset="0"/>
+                <a:cs typeface="Times New Roman" panose="02020603050405020304" pitchFamily="18" charset="0"/>
+              </a:rPr>
+              <a:t>việc </a:t>
+            </a:r>
+            <a:r>
+              <a:rPr lang="vi-VN" dirty="0" smtClean="0">
+                <a:latin typeface="Times New Roman" panose="02020603050405020304" pitchFamily="18" charset="0"/>
+                <a:cs typeface="Times New Roman" panose="02020603050405020304" pitchFamily="18" charset="0"/>
+              </a:rPr>
+              <a:t>làm</a:t>
+            </a:r>
+            <a:r>
+              <a:rPr lang="en-US" dirty="0">
                 <a:latin typeface="Times New Roman" panose="02020603050405020304" pitchFamily="18" charset="0"/>
                 <a:cs typeface="Times New Roman" panose="02020603050405020304" pitchFamily="18" charset="0"/>
               </a:rPr>
               <a:t> </a:t>
             </a:r>
             <a:r>
-              <a:rPr lang="vi-VN" dirty="0" smtClean="0">
-                <a:latin typeface="Times New Roman" panose="02020603050405020304" pitchFamily="18" charset="0"/>
-                <a:cs typeface="Times New Roman" panose="02020603050405020304" pitchFamily="18" charset="0"/>
-              </a:rPr>
-              <a:t>việc làm</a:t>
-            </a:r>
-            <a:r>
-              <a:rPr lang="en-US" dirty="0">
+              <a:rPr lang="en-US" dirty="0" err="1" smtClean="0">
+                <a:latin typeface="Times New Roman" panose="02020603050405020304" pitchFamily="18" charset="0"/>
+                <a:cs typeface="Times New Roman" panose="02020603050405020304" pitchFamily="18" charset="0"/>
+              </a:rPr>
+              <a:t>phù</a:t>
+            </a:r>
+            <a:r>
+              <a:rPr lang="en-US" dirty="0" smtClean="0">
                 <a:latin typeface="Times New Roman" panose="02020603050405020304" pitchFamily="18" charset="0"/>
                 <a:cs typeface="Times New Roman" panose="02020603050405020304" pitchFamily="18" charset="0"/>
               </a:rPr>
               <a:t> </a:t>
-            </a:r>
-            <a:r>
-              <a:rPr lang="en-US" dirty="0" err="1" smtClean="0">
-                <a:latin typeface="Times New Roman" panose="02020603050405020304" pitchFamily="18" charset="0"/>
-                <a:cs typeface="Times New Roman" panose="02020603050405020304" pitchFamily="18" charset="0"/>
-              </a:rPr>
-              <a:t>phu</a:t>
-            </a:r>
-            <a:r>
-              <a:rPr lang="en-US" dirty="0" smtClean="0">
-                <a:latin typeface="Times New Roman" panose="02020603050405020304" pitchFamily="18" charset="0"/>
-                <a:cs typeface="Times New Roman" panose="02020603050405020304" pitchFamily="18" charset="0"/>
-              </a:rPr>
-              <a:t>̀ </a:t>
             </a:r>
             <a:r>
               <a:rPr lang="en-US" dirty="0" err="1" smtClean="0">
@@ -10015,7 +10398,122 @@
               </a:rPr>
               <a:t>xuyên</a:t>
             </a:r>
-            <a:endParaRPr lang="en-US" dirty="0">
+            <a:endParaRPr lang="en-US" dirty="0" smtClean="0">
+              <a:latin typeface="Times New Roman" panose="02020603050405020304" pitchFamily="18" charset="0"/>
+              <a:cs typeface="Times New Roman" panose="02020603050405020304" pitchFamily="18" charset="0"/>
+            </a:endParaRPr>
+          </a:p>
+          <a:p>
+            <a:pPr>
+              <a:buFont typeface="Arial" panose="020B0604020202020204" pitchFamily="34" charset="0"/>
+              <a:buChar char="•"/>
+            </a:pPr>
+            <a:r>
+              <a:rPr lang="en-US" dirty="0" err="1" smtClean="0">
+                <a:latin typeface="Times New Roman" panose="02020603050405020304" pitchFamily="18" charset="0"/>
+                <a:cs typeface="Times New Roman" panose="02020603050405020304" pitchFamily="18" charset="0"/>
+              </a:rPr>
+              <a:t>Kết</a:t>
+            </a:r>
+            <a:r>
+              <a:rPr lang="en-US" dirty="0" smtClean="0">
+                <a:latin typeface="Times New Roman" panose="02020603050405020304" pitchFamily="18" charset="0"/>
+                <a:cs typeface="Times New Roman" panose="02020603050405020304" pitchFamily="18" charset="0"/>
+              </a:rPr>
+              <a:t> </a:t>
+            </a:r>
+            <a:r>
+              <a:rPr lang="en-US" dirty="0" err="1" smtClean="0">
+                <a:latin typeface="Times New Roman" panose="02020603050405020304" pitchFamily="18" charset="0"/>
+                <a:cs typeface="Times New Roman" panose="02020603050405020304" pitchFamily="18" charset="0"/>
+              </a:rPr>
+              <a:t>nối</a:t>
+            </a:r>
+            <a:r>
+              <a:rPr lang="en-US" dirty="0" smtClean="0">
+                <a:latin typeface="Times New Roman" panose="02020603050405020304" pitchFamily="18" charset="0"/>
+                <a:cs typeface="Times New Roman" panose="02020603050405020304" pitchFamily="18" charset="0"/>
+              </a:rPr>
+              <a:t> </a:t>
+            </a:r>
+            <a:r>
+              <a:rPr lang="en-US" dirty="0" err="1" smtClean="0">
+                <a:latin typeface="Times New Roman" panose="02020603050405020304" pitchFamily="18" charset="0"/>
+                <a:cs typeface="Times New Roman" panose="02020603050405020304" pitchFamily="18" charset="0"/>
+              </a:rPr>
+              <a:t>doanh</a:t>
+            </a:r>
+            <a:r>
+              <a:rPr lang="en-US" dirty="0" smtClean="0">
+                <a:latin typeface="Times New Roman" panose="02020603050405020304" pitchFamily="18" charset="0"/>
+                <a:cs typeface="Times New Roman" panose="02020603050405020304" pitchFamily="18" charset="0"/>
+              </a:rPr>
+              <a:t> </a:t>
+            </a:r>
+            <a:r>
+              <a:rPr lang="en-US" dirty="0" err="1" smtClean="0">
+                <a:latin typeface="Times New Roman" panose="02020603050405020304" pitchFamily="18" charset="0"/>
+                <a:cs typeface="Times New Roman" panose="02020603050405020304" pitchFamily="18" charset="0"/>
+              </a:rPr>
+              <a:t>nghiệp</a:t>
+            </a:r>
+            <a:r>
+              <a:rPr lang="en-US" dirty="0" smtClean="0">
+                <a:latin typeface="Times New Roman" panose="02020603050405020304" pitchFamily="18" charset="0"/>
+                <a:cs typeface="Times New Roman" panose="02020603050405020304" pitchFamily="18" charset="0"/>
+              </a:rPr>
+              <a:t> </a:t>
+            </a:r>
+            <a:r>
+              <a:rPr lang="en-US" dirty="0" err="1" smtClean="0">
+                <a:latin typeface="Times New Roman" panose="02020603050405020304" pitchFamily="18" charset="0"/>
+                <a:cs typeface="Times New Roman" panose="02020603050405020304" pitchFamily="18" charset="0"/>
+              </a:rPr>
+              <a:t>với</a:t>
+            </a:r>
+            <a:r>
+              <a:rPr lang="en-US" dirty="0" smtClean="0">
+                <a:latin typeface="Times New Roman" panose="02020603050405020304" pitchFamily="18" charset="0"/>
+                <a:cs typeface="Times New Roman" panose="02020603050405020304" pitchFamily="18" charset="0"/>
+              </a:rPr>
+              <a:t> </a:t>
+            </a:r>
+            <a:r>
+              <a:rPr lang="en-US" dirty="0" err="1" smtClean="0">
+                <a:latin typeface="Times New Roman" panose="02020603050405020304" pitchFamily="18" charset="0"/>
+                <a:cs typeface="Times New Roman" panose="02020603050405020304" pitchFamily="18" charset="0"/>
+              </a:rPr>
+              <a:t>người</a:t>
+            </a:r>
+            <a:r>
+              <a:rPr lang="en-US" dirty="0" smtClean="0">
+                <a:latin typeface="Times New Roman" panose="02020603050405020304" pitchFamily="18" charset="0"/>
+                <a:cs typeface="Times New Roman" panose="02020603050405020304" pitchFamily="18" charset="0"/>
+              </a:rPr>
+              <a:t> </a:t>
+            </a:r>
+            <a:r>
+              <a:rPr lang="en-US" dirty="0" err="1" smtClean="0">
+                <a:latin typeface="Times New Roman" panose="02020603050405020304" pitchFamily="18" charset="0"/>
+                <a:cs typeface="Times New Roman" panose="02020603050405020304" pitchFamily="18" charset="0"/>
+              </a:rPr>
+              <a:t>tìm</a:t>
+            </a:r>
+            <a:r>
+              <a:rPr lang="en-US" dirty="0" smtClean="0">
+                <a:latin typeface="Times New Roman" panose="02020603050405020304" pitchFamily="18" charset="0"/>
+                <a:cs typeface="Times New Roman" panose="02020603050405020304" pitchFamily="18" charset="0"/>
+              </a:rPr>
+              <a:t> </a:t>
+            </a:r>
+            <a:r>
+              <a:rPr lang="en-US" dirty="0" err="1" smtClean="0">
+                <a:latin typeface="Times New Roman" panose="02020603050405020304" pitchFamily="18" charset="0"/>
+                <a:cs typeface="Times New Roman" panose="02020603050405020304" pitchFamily="18" charset="0"/>
+              </a:rPr>
+              <a:t>việc</a:t>
+            </a:r>
+            <a:endParaRPr lang="en-US" dirty="0" smtClean="0">
               <a:latin typeface="Times New Roman" panose="02020603050405020304" pitchFamily="18" charset="0"/>
               <a:cs typeface="Times New Roman" panose="02020603050405020304" pitchFamily="18" charset="0"/>
             </a:endParaRPr>
@@ -10156,18 +10654,30 @@
           <a:lstStyle/>
           <a:p>
             <a:r>
-              <a:rPr lang="en-US" dirty="0" err="1" smtClean="0"/>
+              <a:rPr lang="en-US" dirty="0" err="1" smtClean="0">
+                <a:latin typeface="Times New Roman" panose="02020603050405020304" pitchFamily="18" charset="0"/>
+                <a:cs typeface="Times New Roman" panose="02020603050405020304" pitchFamily="18" charset="0"/>
+              </a:rPr>
               <a:t>Lợi</a:t>
             </a:r>
             <a:r>
-              <a:rPr lang="en-US" dirty="0" smtClean="0"/>
+              <a:rPr lang="en-US" dirty="0" smtClean="0">
+                <a:latin typeface="Times New Roman" panose="02020603050405020304" pitchFamily="18" charset="0"/>
+                <a:cs typeface="Times New Roman" panose="02020603050405020304" pitchFamily="18" charset="0"/>
+              </a:rPr>
               <a:t> </a:t>
             </a:r>
             <a:r>
-              <a:rPr lang="en-US" dirty="0" err="1" smtClean="0"/>
+              <a:rPr lang="en-US" dirty="0" err="1" smtClean="0">
+                <a:latin typeface="Times New Roman" panose="02020603050405020304" pitchFamily="18" charset="0"/>
+                <a:cs typeface="Times New Roman" panose="02020603050405020304" pitchFamily="18" charset="0"/>
+              </a:rPr>
               <a:t>ích</a:t>
             </a:r>
-            <a:endParaRPr lang="en-US" dirty="0"/>
+            <a:endParaRPr lang="en-US" dirty="0">
+              <a:latin typeface="Times New Roman" panose="02020603050405020304" pitchFamily="18" charset="0"/>
+              <a:cs typeface="Times New Roman" panose="02020603050405020304" pitchFamily="18" charset="0"/>
+            </a:endParaRPr>
           </a:p>
         </p:txBody>
       </p:sp>
@@ -10186,40 +10696,395 @@
           <a:bodyPr/>
           <a:lstStyle/>
           <a:p>
-            <a:r>
-              <a:rPr lang="vi-VN" dirty="0"/>
+            <a:pPr>
+              <a:buFont typeface="Arial" panose="020B0604020202020204" pitchFamily="34" charset="0"/>
+              <a:buChar char="•"/>
+            </a:pPr>
+            <a:r>
+              <a:rPr lang="vi-VN" dirty="0">
+                <a:latin typeface="+mj-lt"/>
+              </a:rPr>
               <a:t>Tiết kiệm thời </a:t>
             </a:r>
             <a:r>
-              <a:rPr lang="vi-VN" dirty="0" smtClean="0"/>
+              <a:rPr lang="vi-VN" dirty="0" smtClean="0">
+                <a:latin typeface="+mj-lt"/>
+              </a:rPr>
               <a:t>gian</a:t>
             </a:r>
-            <a:endParaRPr lang="en-US" dirty="0" smtClean="0"/>
-          </a:p>
-          <a:p>
-            <a:r>
-              <a:rPr lang="vi-VN" dirty="0"/>
+            <a:endParaRPr lang="en-US" dirty="0" smtClean="0">
+              <a:latin typeface="+mj-lt"/>
+            </a:endParaRPr>
+          </a:p>
+          <a:p>
+            <a:pPr>
+              <a:buFont typeface="Arial" panose="020B0604020202020204" pitchFamily="34" charset="0"/>
+              <a:buChar char="•"/>
+            </a:pPr>
+            <a:r>
+              <a:rPr lang="vi-VN" dirty="0">
+                <a:latin typeface="+mj-lt"/>
+              </a:rPr>
               <a:t>Cập nhật nhanh </a:t>
             </a:r>
             <a:r>
-              <a:rPr lang="vi-VN" dirty="0" smtClean="0"/>
+              <a:rPr lang="vi-VN" dirty="0" smtClean="0">
+                <a:latin typeface="+mj-lt"/>
+              </a:rPr>
               <a:t>chóng</a:t>
             </a:r>
-            <a:endParaRPr lang="en-US" dirty="0"/>
-          </a:p>
-          <a:p>
-            <a:r>
-              <a:rPr lang="vi-VN" dirty="0"/>
+            <a:endParaRPr lang="en-US" dirty="0">
+              <a:latin typeface="+mj-lt"/>
+            </a:endParaRPr>
+          </a:p>
+          <a:p>
+            <a:pPr>
+              <a:buFont typeface="Arial" panose="020B0604020202020204" pitchFamily="34" charset="0"/>
+              <a:buChar char="•"/>
+            </a:pPr>
+            <a:r>
+              <a:rPr lang="vi-VN" dirty="0">
+                <a:latin typeface="+mj-lt"/>
+              </a:rPr>
               <a:t>Nguồn thông tin việc làm </a:t>
             </a:r>
             <a:r>
-              <a:rPr lang="vi-VN" dirty="0" smtClean="0"/>
+              <a:rPr lang="vi-VN" dirty="0" smtClean="0">
+                <a:latin typeface="+mj-lt"/>
+              </a:rPr>
               <a:t>đa dạng</a:t>
             </a:r>
-            <a:endParaRPr lang="en-US" dirty="0"/>
-          </a:p>
-          <a:p>
-            <a:endParaRPr lang="en-US" dirty="0"/>
+            <a:endParaRPr lang="en-US" dirty="0">
+              <a:latin typeface="+mj-lt"/>
+            </a:endParaRPr>
+          </a:p>
+          <a:p>
+            <a:pPr>
+              <a:buFont typeface="Arial" panose="020B0604020202020204" pitchFamily="34" charset="0"/>
+              <a:buChar char="•"/>
+            </a:pPr>
+            <a:r>
+              <a:rPr lang="en-US" dirty="0" err="1" smtClean="0">
+                <a:latin typeface="Times New Roman" panose="02020603050405020304" pitchFamily="18" charset="0"/>
+                <a:cs typeface="Times New Roman" panose="02020603050405020304" pitchFamily="18" charset="0"/>
+              </a:rPr>
+              <a:t>Có</a:t>
+            </a:r>
+            <a:r>
+              <a:rPr lang="en-US" dirty="0" smtClean="0">
+                <a:latin typeface="Times New Roman" panose="02020603050405020304" pitchFamily="18" charset="0"/>
+                <a:cs typeface="Times New Roman" panose="02020603050405020304" pitchFamily="18" charset="0"/>
+              </a:rPr>
+              <a:t> </a:t>
+            </a:r>
+            <a:r>
+              <a:rPr lang="en-US" dirty="0" err="1" smtClean="0">
+                <a:latin typeface="Times New Roman" panose="02020603050405020304" pitchFamily="18" charset="0"/>
+                <a:cs typeface="Times New Roman" panose="02020603050405020304" pitchFamily="18" charset="0"/>
+              </a:rPr>
+              <a:t>được</a:t>
+            </a:r>
+            <a:r>
+              <a:rPr lang="en-US" dirty="0" smtClean="0">
+                <a:latin typeface="Times New Roman" panose="02020603050405020304" pitchFamily="18" charset="0"/>
+                <a:cs typeface="Times New Roman" panose="02020603050405020304" pitchFamily="18" charset="0"/>
+              </a:rPr>
+              <a:t> </a:t>
+            </a:r>
+            <a:r>
+              <a:rPr lang="en-US" dirty="0" err="1" smtClean="0">
+                <a:latin typeface="Times New Roman" panose="02020603050405020304" pitchFamily="18" charset="0"/>
+                <a:cs typeface="Times New Roman" panose="02020603050405020304" pitchFamily="18" charset="0"/>
+              </a:rPr>
+              <a:t>việc</a:t>
+            </a:r>
+            <a:r>
+              <a:rPr lang="en-US" dirty="0" smtClean="0">
+                <a:latin typeface="Times New Roman" panose="02020603050405020304" pitchFamily="18" charset="0"/>
+                <a:cs typeface="Times New Roman" panose="02020603050405020304" pitchFamily="18" charset="0"/>
+              </a:rPr>
+              <a:t> </a:t>
+            </a:r>
+            <a:r>
+              <a:rPr lang="en-US" dirty="0" err="1" smtClean="0">
+                <a:latin typeface="Times New Roman" panose="02020603050405020304" pitchFamily="18" charset="0"/>
+                <a:cs typeface="Times New Roman" panose="02020603050405020304" pitchFamily="18" charset="0"/>
+              </a:rPr>
+              <a:t>làm</a:t>
+            </a:r>
+            <a:r>
+              <a:rPr lang="en-US" dirty="0" smtClean="0">
+                <a:latin typeface="Times New Roman" panose="02020603050405020304" pitchFamily="18" charset="0"/>
+                <a:cs typeface="Times New Roman" panose="02020603050405020304" pitchFamily="18" charset="0"/>
+              </a:rPr>
+              <a:t> </a:t>
+            </a:r>
+            <a:r>
+              <a:rPr lang="en-US" dirty="0" err="1" smtClean="0">
+                <a:latin typeface="Times New Roman" panose="02020603050405020304" pitchFamily="18" charset="0"/>
+                <a:cs typeface="Times New Roman" panose="02020603050405020304" pitchFamily="18" charset="0"/>
+              </a:rPr>
+              <a:t>phù</a:t>
+            </a:r>
+            <a:r>
+              <a:rPr lang="en-US" dirty="0" smtClean="0">
+                <a:latin typeface="Times New Roman" panose="02020603050405020304" pitchFamily="18" charset="0"/>
+                <a:cs typeface="Times New Roman" panose="02020603050405020304" pitchFamily="18" charset="0"/>
+              </a:rPr>
+              <a:t> </a:t>
+            </a:r>
+            <a:r>
+              <a:rPr lang="en-US" dirty="0" err="1" smtClean="0">
+                <a:latin typeface="Times New Roman" panose="02020603050405020304" pitchFamily="18" charset="0"/>
+                <a:cs typeface="Times New Roman" panose="02020603050405020304" pitchFamily="18" charset="0"/>
+              </a:rPr>
+              <a:t>hợp</a:t>
+            </a:r>
+            <a:r>
+              <a:rPr lang="en-US" dirty="0" smtClean="0">
+                <a:latin typeface="Times New Roman" panose="02020603050405020304" pitchFamily="18" charset="0"/>
+                <a:cs typeface="Times New Roman" panose="02020603050405020304" pitchFamily="18" charset="0"/>
+              </a:rPr>
+              <a:t> </a:t>
+            </a:r>
+            <a:r>
+              <a:rPr lang="en-US" dirty="0" err="1" smtClean="0">
+                <a:latin typeface="Times New Roman" panose="02020603050405020304" pitchFamily="18" charset="0"/>
+                <a:cs typeface="Times New Roman" panose="02020603050405020304" pitchFamily="18" charset="0"/>
+              </a:rPr>
+              <a:t>với</a:t>
+            </a:r>
+            <a:r>
+              <a:rPr lang="en-US" dirty="0" smtClean="0">
+                <a:latin typeface="Times New Roman" panose="02020603050405020304" pitchFamily="18" charset="0"/>
+                <a:cs typeface="Times New Roman" panose="02020603050405020304" pitchFamily="18" charset="0"/>
+              </a:rPr>
+              <a:t> </a:t>
+            </a:r>
+            <a:r>
+              <a:rPr lang="en-US" dirty="0" err="1" smtClean="0">
+                <a:latin typeface="Times New Roman" panose="02020603050405020304" pitchFamily="18" charset="0"/>
+                <a:cs typeface="Times New Roman" panose="02020603050405020304" pitchFamily="18" charset="0"/>
+              </a:rPr>
+              <a:t>nhu</a:t>
+            </a:r>
+            <a:r>
+              <a:rPr lang="en-US" dirty="0" smtClean="0">
+                <a:latin typeface="Times New Roman" panose="02020603050405020304" pitchFamily="18" charset="0"/>
+                <a:cs typeface="Times New Roman" panose="02020603050405020304" pitchFamily="18" charset="0"/>
+              </a:rPr>
+              <a:t> </a:t>
+            </a:r>
+            <a:r>
+              <a:rPr lang="en-US" dirty="0" err="1" smtClean="0">
+                <a:latin typeface="Times New Roman" panose="02020603050405020304" pitchFamily="18" charset="0"/>
+                <a:cs typeface="Times New Roman" panose="02020603050405020304" pitchFamily="18" charset="0"/>
+              </a:rPr>
+              <a:t>cầu</a:t>
+            </a:r>
+            <a:r>
+              <a:rPr lang="en-US" dirty="0" smtClean="0">
+                <a:latin typeface="Times New Roman" panose="02020603050405020304" pitchFamily="18" charset="0"/>
+                <a:cs typeface="Times New Roman" panose="02020603050405020304" pitchFamily="18" charset="0"/>
+              </a:rPr>
+              <a:t> </a:t>
+            </a:r>
+            <a:r>
+              <a:rPr lang="en-US" dirty="0" err="1" smtClean="0">
+                <a:latin typeface="Times New Roman" panose="02020603050405020304" pitchFamily="18" charset="0"/>
+                <a:cs typeface="Times New Roman" panose="02020603050405020304" pitchFamily="18" charset="0"/>
+              </a:rPr>
+              <a:t>và</a:t>
+            </a:r>
+            <a:r>
+              <a:rPr lang="en-US" dirty="0" smtClean="0">
+                <a:latin typeface="Times New Roman" panose="02020603050405020304" pitchFamily="18" charset="0"/>
+                <a:cs typeface="Times New Roman" panose="02020603050405020304" pitchFamily="18" charset="0"/>
+              </a:rPr>
+              <a:t> </a:t>
+            </a:r>
+            <a:r>
+              <a:rPr lang="en-US" dirty="0" err="1" smtClean="0">
+                <a:latin typeface="Times New Roman" panose="02020603050405020304" pitchFamily="18" charset="0"/>
+                <a:cs typeface="Times New Roman" panose="02020603050405020304" pitchFamily="18" charset="0"/>
+              </a:rPr>
+              <a:t>khả</a:t>
+            </a:r>
+            <a:r>
+              <a:rPr lang="en-US" dirty="0" smtClean="0">
+                <a:latin typeface="Times New Roman" panose="02020603050405020304" pitchFamily="18" charset="0"/>
+                <a:cs typeface="Times New Roman" panose="02020603050405020304" pitchFamily="18" charset="0"/>
+              </a:rPr>
+              <a:t> </a:t>
+            </a:r>
+            <a:r>
+              <a:rPr lang="en-US" dirty="0" err="1" smtClean="0">
+                <a:latin typeface="Times New Roman" panose="02020603050405020304" pitchFamily="18" charset="0"/>
+                <a:cs typeface="Times New Roman" panose="02020603050405020304" pitchFamily="18" charset="0"/>
+              </a:rPr>
+              <a:t>năng</a:t>
+            </a:r>
+            <a:r>
+              <a:rPr lang="en-US" dirty="0" smtClean="0">
+                <a:latin typeface="Times New Roman" panose="02020603050405020304" pitchFamily="18" charset="0"/>
+                <a:cs typeface="Times New Roman" panose="02020603050405020304" pitchFamily="18" charset="0"/>
+              </a:rPr>
+              <a:t> </a:t>
+            </a:r>
+            <a:r>
+              <a:rPr lang="en-US" dirty="0" err="1" smtClean="0">
+                <a:latin typeface="Times New Roman" panose="02020603050405020304" pitchFamily="18" charset="0"/>
+                <a:cs typeface="Times New Roman" panose="02020603050405020304" pitchFamily="18" charset="0"/>
+              </a:rPr>
+              <a:t>bản</a:t>
+            </a:r>
+            <a:r>
+              <a:rPr lang="en-US" dirty="0" smtClean="0">
+                <a:latin typeface="Times New Roman" panose="02020603050405020304" pitchFamily="18" charset="0"/>
+                <a:cs typeface="Times New Roman" panose="02020603050405020304" pitchFamily="18" charset="0"/>
+              </a:rPr>
+              <a:t> </a:t>
+            </a:r>
+            <a:r>
+              <a:rPr lang="en-US" dirty="0" err="1" smtClean="0">
+                <a:latin typeface="Times New Roman" panose="02020603050405020304" pitchFamily="18" charset="0"/>
+                <a:cs typeface="Times New Roman" panose="02020603050405020304" pitchFamily="18" charset="0"/>
+              </a:rPr>
+              <a:t>thân</a:t>
+            </a:r>
+            <a:endParaRPr lang="en-US" dirty="0" smtClean="0">
+              <a:latin typeface="Times New Roman" panose="02020603050405020304" pitchFamily="18" charset="0"/>
+              <a:cs typeface="Times New Roman" panose="02020603050405020304" pitchFamily="18" charset="0"/>
+            </a:endParaRPr>
+          </a:p>
+          <a:p>
+            <a:pPr>
+              <a:buFont typeface="Arial" panose="020B0604020202020204" pitchFamily="34" charset="0"/>
+              <a:buChar char="•"/>
+            </a:pPr>
+            <a:r>
+              <a:rPr lang="en-US" dirty="0" err="1" smtClean="0">
+                <a:latin typeface="Times New Roman" panose="02020603050405020304" pitchFamily="18" charset="0"/>
+                <a:cs typeface="Times New Roman" panose="02020603050405020304" pitchFamily="18" charset="0"/>
+              </a:rPr>
+              <a:t>Kết</a:t>
+            </a:r>
+            <a:r>
+              <a:rPr lang="en-US" dirty="0" smtClean="0">
+                <a:latin typeface="Times New Roman" panose="02020603050405020304" pitchFamily="18" charset="0"/>
+                <a:cs typeface="Times New Roman" panose="02020603050405020304" pitchFamily="18" charset="0"/>
+              </a:rPr>
+              <a:t> </a:t>
+            </a:r>
+            <a:r>
+              <a:rPr lang="en-US" dirty="0" err="1" smtClean="0">
+                <a:latin typeface="Times New Roman" panose="02020603050405020304" pitchFamily="18" charset="0"/>
+                <a:cs typeface="Times New Roman" panose="02020603050405020304" pitchFamily="18" charset="0"/>
+              </a:rPr>
+              <a:t>nối</a:t>
+            </a:r>
+            <a:r>
+              <a:rPr lang="en-US" dirty="0" smtClean="0">
+                <a:latin typeface="Times New Roman" panose="02020603050405020304" pitchFamily="18" charset="0"/>
+                <a:cs typeface="Times New Roman" panose="02020603050405020304" pitchFamily="18" charset="0"/>
+              </a:rPr>
+              <a:t> </a:t>
+            </a:r>
+            <a:r>
+              <a:rPr lang="en-US" dirty="0" err="1" smtClean="0">
+                <a:latin typeface="Times New Roman" panose="02020603050405020304" pitchFamily="18" charset="0"/>
+                <a:cs typeface="Times New Roman" panose="02020603050405020304" pitchFamily="18" charset="0"/>
+              </a:rPr>
+              <a:t>người</a:t>
+            </a:r>
+            <a:r>
+              <a:rPr lang="en-US" dirty="0" smtClean="0">
+                <a:latin typeface="Times New Roman" panose="02020603050405020304" pitchFamily="18" charset="0"/>
+                <a:cs typeface="Times New Roman" panose="02020603050405020304" pitchFamily="18" charset="0"/>
+              </a:rPr>
+              <a:t> </a:t>
+            </a:r>
+            <a:r>
+              <a:rPr lang="en-US" dirty="0" err="1" smtClean="0">
+                <a:latin typeface="Times New Roman" panose="02020603050405020304" pitchFamily="18" charset="0"/>
+                <a:cs typeface="Times New Roman" panose="02020603050405020304" pitchFamily="18" charset="0"/>
+              </a:rPr>
+              <a:t>tìm</a:t>
+            </a:r>
+            <a:r>
+              <a:rPr lang="en-US" dirty="0" smtClean="0">
+                <a:latin typeface="Times New Roman" panose="02020603050405020304" pitchFamily="18" charset="0"/>
+                <a:cs typeface="Times New Roman" panose="02020603050405020304" pitchFamily="18" charset="0"/>
+              </a:rPr>
+              <a:t> </a:t>
+            </a:r>
+            <a:r>
+              <a:rPr lang="en-US" dirty="0" err="1" smtClean="0">
+                <a:latin typeface="Times New Roman" panose="02020603050405020304" pitchFamily="18" charset="0"/>
+                <a:cs typeface="Times New Roman" panose="02020603050405020304" pitchFamily="18" charset="0"/>
+              </a:rPr>
+              <a:t>việc</a:t>
+            </a:r>
+            <a:r>
+              <a:rPr lang="en-US" dirty="0" smtClean="0">
+                <a:latin typeface="Times New Roman" panose="02020603050405020304" pitchFamily="18" charset="0"/>
+                <a:cs typeface="Times New Roman" panose="02020603050405020304" pitchFamily="18" charset="0"/>
+              </a:rPr>
+              <a:t> </a:t>
+            </a:r>
+            <a:r>
+              <a:rPr lang="en-US" dirty="0" err="1" smtClean="0">
+                <a:latin typeface="Times New Roman" panose="02020603050405020304" pitchFamily="18" charset="0"/>
+                <a:cs typeface="Times New Roman" panose="02020603050405020304" pitchFamily="18" charset="0"/>
+              </a:rPr>
+              <a:t>và</a:t>
+            </a:r>
+            <a:r>
+              <a:rPr lang="en-US" dirty="0" smtClean="0">
+                <a:latin typeface="Times New Roman" panose="02020603050405020304" pitchFamily="18" charset="0"/>
+                <a:cs typeface="Times New Roman" panose="02020603050405020304" pitchFamily="18" charset="0"/>
+              </a:rPr>
+              <a:t> </a:t>
+            </a:r>
+            <a:r>
+              <a:rPr lang="en-US" dirty="0" err="1" smtClean="0">
+                <a:latin typeface="Times New Roman" panose="02020603050405020304" pitchFamily="18" charset="0"/>
+                <a:cs typeface="Times New Roman" panose="02020603050405020304" pitchFamily="18" charset="0"/>
+              </a:rPr>
+              <a:t>công</a:t>
+            </a:r>
+            <a:r>
+              <a:rPr lang="en-US" dirty="0" smtClean="0">
+                <a:latin typeface="Times New Roman" panose="02020603050405020304" pitchFamily="18" charset="0"/>
+                <a:cs typeface="Times New Roman" panose="02020603050405020304" pitchFamily="18" charset="0"/>
+              </a:rPr>
+              <a:t> ty </a:t>
+            </a:r>
+            <a:r>
+              <a:rPr lang="en-US" dirty="0" err="1" smtClean="0">
+                <a:latin typeface="Times New Roman" panose="02020603050405020304" pitchFamily="18" charset="0"/>
+                <a:cs typeface="Times New Roman" panose="02020603050405020304" pitchFamily="18" charset="0"/>
+              </a:rPr>
+              <a:t>tuyển</a:t>
+            </a:r>
+            <a:r>
+              <a:rPr lang="en-US" dirty="0" smtClean="0">
+                <a:latin typeface="Times New Roman" panose="02020603050405020304" pitchFamily="18" charset="0"/>
+                <a:cs typeface="Times New Roman" panose="02020603050405020304" pitchFamily="18" charset="0"/>
+              </a:rPr>
+              <a:t> </a:t>
+            </a:r>
+            <a:r>
+              <a:rPr lang="en-US" dirty="0" err="1" smtClean="0">
+                <a:latin typeface="Times New Roman" panose="02020603050405020304" pitchFamily="18" charset="0"/>
+                <a:cs typeface="Times New Roman" panose="02020603050405020304" pitchFamily="18" charset="0"/>
+              </a:rPr>
+              <a:t>dụng</a:t>
+            </a:r>
+            <a:endParaRPr lang="en-US" dirty="0">
+              <a:latin typeface="Times New Roman" panose="02020603050405020304" pitchFamily="18" charset="0"/>
+              <a:cs typeface="Times New Roman" panose="02020603050405020304" pitchFamily="18" charset="0"/>
+            </a:endParaRPr>
           </a:p>
         </p:txBody>
       </p:sp>
@@ -10408,46 +11273,79 @@
           <a:lstStyle/>
           <a:p>
             <a:r>
-              <a:rPr lang="en-US" dirty="0" err="1" smtClean="0"/>
+              <a:rPr lang="en-US" dirty="0" err="1" smtClean="0">
+                <a:latin typeface="Times New Roman" panose="02020603050405020304" pitchFamily="18" charset="0"/>
+                <a:cs typeface="Times New Roman" panose="02020603050405020304" pitchFamily="18" charset="0"/>
+              </a:rPr>
               <a:t>Mô</a:t>
             </a:r>
             <a:r>
-              <a:rPr lang="en-US" dirty="0"/>
+              <a:rPr lang="en-US" dirty="0">
+                <a:latin typeface="Times New Roman" panose="02020603050405020304" pitchFamily="18" charset="0"/>
+                <a:cs typeface="Times New Roman" panose="02020603050405020304" pitchFamily="18" charset="0"/>
+              </a:rPr>
               <a:t> </a:t>
             </a:r>
             <a:r>
-              <a:rPr lang="en-US" dirty="0" smtClean="0"/>
+              <a:rPr lang="en-US" dirty="0" smtClean="0">
+                <a:latin typeface="Times New Roman" panose="02020603050405020304" pitchFamily="18" charset="0"/>
+                <a:cs typeface="Times New Roman" panose="02020603050405020304" pitchFamily="18" charset="0"/>
+              </a:rPr>
               <a:t>tả </a:t>
             </a:r>
             <a:r>
-              <a:rPr lang="en-US" dirty="0" err="1" smtClean="0"/>
+              <a:rPr lang="en-US" dirty="0" err="1" smtClean="0">
+                <a:latin typeface="Times New Roman" panose="02020603050405020304" pitchFamily="18" charset="0"/>
+                <a:cs typeface="Times New Roman" panose="02020603050405020304" pitchFamily="18" charset="0"/>
+              </a:rPr>
               <a:t>kiến</a:t>
             </a:r>
             <a:r>
-              <a:rPr lang="en-US" dirty="0" smtClean="0"/>
+              <a:rPr lang="en-US" dirty="0" smtClean="0">
+                <a:latin typeface="Times New Roman" panose="02020603050405020304" pitchFamily="18" charset="0"/>
+                <a:cs typeface="Times New Roman" panose="02020603050405020304" pitchFamily="18" charset="0"/>
+              </a:rPr>
               <a:t> </a:t>
             </a:r>
             <a:r>
-              <a:rPr lang="en-US" dirty="0" err="1" smtClean="0"/>
+              <a:rPr lang="en-US" dirty="0" err="1" smtClean="0">
+                <a:latin typeface="Times New Roman" panose="02020603050405020304" pitchFamily="18" charset="0"/>
+                <a:cs typeface="Times New Roman" panose="02020603050405020304" pitchFamily="18" charset="0"/>
+              </a:rPr>
               <a:t>trúc</a:t>
             </a:r>
             <a:r>
-              <a:rPr lang="en-US" dirty="0" smtClean="0"/>
+              <a:rPr lang="en-US" dirty="0" smtClean="0">
+                <a:latin typeface="Times New Roman" panose="02020603050405020304" pitchFamily="18" charset="0"/>
+                <a:cs typeface="Times New Roman" panose="02020603050405020304" pitchFamily="18" charset="0"/>
+              </a:rPr>
               <a:t> </a:t>
             </a:r>
             <a:r>
-              <a:rPr lang="en-US" dirty="0" err="1" smtClean="0"/>
-              <a:t>hê</a:t>
-            </a:r>
-            <a:r>
-              <a:rPr lang="en-US" dirty="0" smtClean="0"/>
-              <a:t>̣ </a:t>
-            </a:r>
-            <a:r>
-              <a:rPr lang="en-US" dirty="0" err="1" smtClean="0"/>
+              <a:rPr lang="en-US" dirty="0" err="1" smtClean="0">
+                <a:latin typeface="Times New Roman" panose="02020603050405020304" pitchFamily="18" charset="0"/>
+                <a:cs typeface="Times New Roman" panose="02020603050405020304" pitchFamily="18" charset="0"/>
+              </a:rPr>
+              <a:t>hệ</a:t>
+            </a:r>
+            <a:r>
+              <a:rPr lang="en-US" dirty="0" smtClean="0">
+                <a:latin typeface="Times New Roman" panose="02020603050405020304" pitchFamily="18" charset="0"/>
+                <a:cs typeface="Times New Roman" panose="02020603050405020304" pitchFamily="18" charset="0"/>
+              </a:rPr>
+              <a:t> </a:t>
+            </a:r>
+            <a:r>
+              <a:rPr lang="en-US" dirty="0" err="1" smtClean="0">
+                <a:latin typeface="Times New Roman" panose="02020603050405020304" pitchFamily="18" charset="0"/>
+                <a:cs typeface="Times New Roman" panose="02020603050405020304" pitchFamily="18" charset="0"/>
+              </a:rPr>
               <a:t>thống</a:t>
             </a:r>
-            <a:endParaRPr lang="en-US" dirty="0"/>
+            <a:endParaRPr lang="en-US" dirty="0">
+              <a:latin typeface="Times New Roman" panose="02020603050405020304" pitchFamily="18" charset="0"/>
+              <a:cs typeface="Times New Roman" panose="02020603050405020304" pitchFamily="18" charset="0"/>
+            </a:endParaRPr>
           </a:p>
         </p:txBody>
       </p:sp>

--- a/Document/slide/Job-rec-slide.pptx
+++ b/Document/slide/Job-rec-slide.pptx
@@ -122,7 +122,7 @@
   </p:defaultTextStyle>
   <p:extLst>
     <p:ext uri="{EFAFB233-063F-42B5-8137-9DF3F51BA10A}">
-      <p15:sldGuideLst xmlns:p15="http://schemas.microsoft.com/office/powerpoint/2012/main">
+      <p15:sldGuideLst xmlns:p15="http://schemas.microsoft.com/office/powerpoint/2012/main" xmlns="">
         <p15:guide id="1" orient="horz" pos="2160">
           <p15:clr>
             <a:srgbClr val="A4A3A4"/>
@@ -221,7 +221,7 @@
           <a:p>
             <a:fld id="{A37B6CB2-F58A-4705-B590-52A54200B10C}" type="datetimeFigureOut">
               <a:rPr lang="en-US" smtClean="0"/>
-              <a:t>05/10/2015</a:t>
+              <a:t>10/13/2015</a:t>
             </a:fld>
             <a:endParaRPr lang="en-US"/>
           </a:p>
@@ -1708,7 +1708,7 @@
           <a:p>
             <a:fld id="{7CAD5CD7-1429-41A0-9EEC-F1BD8695CC85}" type="datetimeFigureOut">
               <a:rPr lang="en-US" smtClean="0"/>
-              <a:t>05/10/2015</a:t>
+              <a:t>10/13/2015</a:t>
             </a:fld>
             <a:endParaRPr lang="en-US"/>
           </a:p>
@@ -1957,7 +1957,7 @@
           <a:p>
             <a:fld id="{7CAD5CD7-1429-41A0-9EEC-F1BD8695CC85}" type="datetimeFigureOut">
               <a:rPr lang="en-US" smtClean="0"/>
-              <a:t>05/10/2015</a:t>
+              <a:t>10/13/2015</a:t>
             </a:fld>
             <a:endParaRPr lang="en-US"/>
           </a:p>
@@ -2213,7 +2213,7 @@
           <a:p>
             <a:fld id="{7CAD5CD7-1429-41A0-9EEC-F1BD8695CC85}" type="datetimeFigureOut">
               <a:rPr lang="en-US" smtClean="0"/>
-              <a:t>05/10/2015</a:t>
+              <a:t>10/13/2015</a:t>
             </a:fld>
             <a:endParaRPr lang="en-US"/>
           </a:p>
@@ -2383,7 +2383,7 @@
           <a:p>
             <a:fld id="{7CAD5CD7-1429-41A0-9EEC-F1BD8695CC85}" type="datetimeFigureOut">
               <a:rPr lang="en-US" smtClean="0"/>
-              <a:t>05/10/2015</a:t>
+              <a:t>10/13/2015</a:t>
             </a:fld>
             <a:endParaRPr lang="en-US"/>
           </a:p>
@@ -2759,7 +2759,7 @@
           <a:p>
             <a:fld id="{7CAD5CD7-1429-41A0-9EEC-F1BD8695CC85}" type="datetimeFigureOut">
               <a:rPr lang="en-US" smtClean="0"/>
-              <a:t>05/10/2015</a:t>
+              <a:t>10/13/2015</a:t>
             </a:fld>
             <a:endParaRPr lang="en-US"/>
           </a:p>
@@ -3075,7 +3075,7 @@
           <a:p>
             <a:fld id="{7CAD5CD7-1429-41A0-9EEC-F1BD8695CC85}" type="datetimeFigureOut">
               <a:rPr lang="en-US" smtClean="0"/>
-              <a:t>05/10/2015</a:t>
+              <a:t>10/13/2015</a:t>
             </a:fld>
             <a:endParaRPr lang="en-US"/>
           </a:p>
@@ -3495,7 +3495,7 @@
           <a:p>
             <a:fld id="{7CAD5CD7-1429-41A0-9EEC-F1BD8695CC85}" type="datetimeFigureOut">
               <a:rPr lang="en-US" smtClean="0"/>
-              <a:t>05/10/2015</a:t>
+              <a:t>10/13/2015</a:t>
             </a:fld>
             <a:endParaRPr lang="en-US"/>
           </a:p>
@@ -3654,7 +3654,7 @@
           <a:p>
             <a:fld id="{7CAD5CD7-1429-41A0-9EEC-F1BD8695CC85}" type="datetimeFigureOut">
               <a:rPr lang="en-US" smtClean="0"/>
-              <a:t>05/10/2015</a:t>
+              <a:t>10/13/2015</a:t>
             </a:fld>
             <a:endParaRPr lang="en-US"/>
           </a:p>
@@ -3825,7 +3825,7 @@
           <a:p>
             <a:fld id="{7CAD5CD7-1429-41A0-9EEC-F1BD8695CC85}" type="datetimeFigureOut">
               <a:rPr lang="en-US" smtClean="0"/>
-              <a:t>05/10/2015</a:t>
+              <a:t>10/13/2015</a:t>
             </a:fld>
             <a:endParaRPr lang="en-US"/>
           </a:p>
@@ -4220,7 +4220,7 @@
           <a:p>
             <a:fld id="{7CAD5CD7-1429-41A0-9EEC-F1BD8695CC85}" type="datetimeFigureOut">
               <a:rPr lang="en-US" smtClean="0"/>
-              <a:t>05/10/2015</a:t>
+              <a:t>10/13/2015</a:t>
             </a:fld>
             <a:endParaRPr lang="en-US"/>
           </a:p>
@@ -4638,7 +4638,7 @@
           <a:p>
             <a:fld id="{7CAD5CD7-1429-41A0-9EEC-F1BD8695CC85}" type="datetimeFigureOut">
               <a:rPr lang="en-US" smtClean="0"/>
-              <a:t>05/10/2015</a:t>
+              <a:t>10/13/2015</a:t>
             </a:fld>
             <a:endParaRPr lang="en-US"/>
           </a:p>
@@ -4969,7 +4969,7 @@
           <a:p>
             <a:fld id="{7CAD5CD7-1429-41A0-9EEC-F1BD8695CC85}" type="datetimeFigureOut">
               <a:rPr lang="en-US" smtClean="0"/>
-              <a:t>05/10/2015</a:t>
+              <a:t>10/13/2015</a:t>
             </a:fld>
             <a:endParaRPr lang="en-US"/>
           </a:p>
@@ -8833,18 +8833,9 @@
   <p:clrMapOvr>
     <a:masterClrMapping/>
   </p:clrMapOvr>
-  <mc:AlternateContent xmlns:mc="http://schemas.openxmlformats.org/markup-compatibility/2006" xmlns:p15="http://schemas.microsoft.com/office/powerpoint/2012/main">
-    <mc:Choice Requires="p15">
-      <p:transition xmlns:p14="http://schemas.microsoft.com/office/powerpoint/2010/main" spd="slow" p14:dur="2000">
-        <p15:prstTrans prst="fracture"/>
-      </p:transition>
-    </mc:Choice>
-    <mc:Fallback xmlns="">
-      <p:transition spd="slow">
-        <p:fade/>
-      </p:transition>
-    </mc:Fallback>
-  </mc:AlternateContent>
+  <p:transition spd="slow">
+    <p:fade/>
+  </p:transition>
   <p:timing>
     <p:tnLst>
       <p:par>
@@ -8914,13 +8905,13 @@
           <a:bodyPr/>
           <a:lstStyle/>
           <a:p>
-            <a:pPr>
-              <a:buFont typeface="Wingdings" panose="05000000000000000000" pitchFamily="2" charset="2"/>
+            <a:pPr lvl="1">
+              <a:buFont typeface="Wingdings" pitchFamily="2" charset="2"/>
               <a:buChar char="q"/>
             </a:pPr>
             <a:r>
               <a:rPr lang="en-US" dirty="0" err="1" smtClean="0"/>
-              <a:t>Hiện</a:t>
+              <a:t>Giới</a:t>
             </a:r>
             <a:r>
               <a:rPr lang="en-US" dirty="0" smtClean="0"/>
@@ -8928,26 +8919,72 @@
             </a:r>
             <a:r>
               <a:rPr lang="en-US" dirty="0" err="1" smtClean="0"/>
-              <a:t>trạng</a:t>
+              <a:t>thiệu</a:t>
             </a:r>
             <a:endParaRPr lang="en-US" dirty="0" smtClean="0"/>
           </a:p>
           <a:p>
-            <a:pPr>
-              <a:buFont typeface="Wingdings" panose="05000000000000000000" pitchFamily="2" charset="2"/>
+            <a:pPr lvl="2">
+              <a:buFont typeface="Wingdings" pitchFamily="2" charset="2"/>
               <a:buChar char="q"/>
             </a:pPr>
             <a:r>
               <a:rPr lang="en-US" dirty="0" err="1" smtClean="0"/>
-              <a:t>Giới</a:t>
+              <a:t>Khuyến</a:t>
             </a:r>
             <a:r>
               <a:rPr lang="en-US" dirty="0" smtClean="0"/>
               <a:t> </a:t>
             </a:r>
             <a:r>
+              <a:rPr lang="en-US" dirty="0" err="1"/>
+              <a:t>nghị</a:t>
+            </a:r>
+            <a:r>
+              <a:rPr lang="en-US" dirty="0"/>
+              <a:t> </a:t>
+            </a:r>
+            <a:r>
+              <a:rPr lang="en-US" dirty="0" err="1"/>
+              <a:t>việc</a:t>
+            </a:r>
+            <a:r>
+              <a:rPr lang="en-US" dirty="0"/>
+              <a:t> </a:t>
+            </a:r>
+            <a:r>
+              <a:rPr lang="en-US" dirty="0" err="1"/>
+              <a:t>làm</a:t>
+            </a:r>
+            <a:r>
+              <a:rPr lang="en-US" dirty="0"/>
+              <a:t> </a:t>
+            </a:r>
+            <a:r>
+              <a:rPr lang="en-US" dirty="0" err="1"/>
+              <a:t>là</a:t>
+            </a:r>
+            <a:r>
+              <a:rPr lang="en-US" dirty="0"/>
+              <a:t> </a:t>
+            </a:r>
+            <a:r>
+              <a:rPr lang="en-US" dirty="0" err="1"/>
+              <a:t>gì</a:t>
+            </a:r>
+            <a:r>
+              <a:rPr lang="en-US" dirty="0" smtClean="0"/>
+              <a:t>?</a:t>
+            </a:r>
+          </a:p>
+          <a:p>
+            <a:pPr lvl="2">
+              <a:buFont typeface="Wingdings" pitchFamily="2" charset="2"/>
+              <a:buChar char="q"/>
+            </a:pPr>
+            <a:r>
               <a:rPr lang="en-US" dirty="0" err="1" smtClean="0"/>
-              <a:t>thiệu</a:t>
+              <a:t>Tại</a:t>
             </a:r>
             <a:r>
               <a:rPr lang="en-US" dirty="0" smtClean="0"/>
@@ -8955,7 +8992,7 @@
             </a:r>
             <a:r>
               <a:rPr lang="en-US" dirty="0" err="1" smtClean="0"/>
-              <a:t>ứng</a:t>
+              <a:t>sao</a:t>
             </a:r>
             <a:r>
               <a:rPr lang="en-US" dirty="0" smtClean="0"/>
@@ -8963,26 +9000,53 @@
             </a:r>
             <a:r>
               <a:rPr lang="en-US" dirty="0" err="1" smtClean="0"/>
-              <a:t>dụng</a:t>
-            </a:r>
-            <a:endParaRPr lang="en-US" dirty="0" smtClean="0"/>
-          </a:p>
-          <a:p>
-            <a:pPr>
-              <a:buFont typeface="Wingdings" panose="05000000000000000000" pitchFamily="2" charset="2"/>
+              <a:t>cần</a:t>
+            </a:r>
+            <a:r>
+              <a:rPr lang="en-US" dirty="0" smtClean="0"/>
+              <a:t> </a:t>
+            </a:r>
+            <a:r>
+              <a:rPr lang="en-US" dirty="0" err="1" smtClean="0"/>
+              <a:t>khuyến</a:t>
+            </a:r>
+            <a:r>
+              <a:rPr lang="en-US" dirty="0" smtClean="0"/>
+              <a:t> </a:t>
+            </a:r>
+            <a:r>
+              <a:rPr lang="en-US" dirty="0" err="1" smtClean="0"/>
+              <a:t>nghị</a:t>
+            </a:r>
+            <a:r>
+              <a:rPr lang="en-US" dirty="0" smtClean="0"/>
+              <a:t> </a:t>
+            </a:r>
+            <a:r>
+              <a:rPr lang="en-US" dirty="0" err="1" smtClean="0"/>
+              <a:t>việc</a:t>
+            </a:r>
+            <a:r>
+              <a:rPr lang="en-US" dirty="0" smtClean="0"/>
+              <a:t> </a:t>
+            </a:r>
+            <a:r>
+              <a:rPr lang="en-US" dirty="0" err="1" smtClean="0"/>
+              <a:t>làm</a:t>
+            </a:r>
+            <a:r>
+              <a:rPr lang="en-US" dirty="0" smtClean="0"/>
+              <a:t>?</a:t>
+            </a:r>
+          </a:p>
+          <a:p>
+            <a:pPr lvl="1">
+              <a:buFont typeface="Wingdings" pitchFamily="2" charset="2"/>
               <a:buChar char="q"/>
             </a:pPr>
             <a:r>
               <a:rPr lang="en-US" dirty="0" err="1" smtClean="0"/>
-              <a:t>Mô</a:t>
-            </a:r>
-            <a:r>
-              <a:rPr lang="en-US" dirty="0" smtClean="0"/>
-              <a:t> tả </a:t>
-            </a:r>
-            <a:r>
-              <a:rPr lang="en-US" dirty="0" err="1" smtClean="0"/>
-              <a:t>kiến</a:t>
+              <a:t>Mục</a:t>
             </a:r>
             <a:r>
               <a:rPr lang="en-US" dirty="0" smtClean="0"/>
@@ -8990,7 +9054,7 @@
             </a:r>
             <a:r>
               <a:rPr lang="en-US" dirty="0" err="1" smtClean="0"/>
-              <a:t>trúc</a:t>
+              <a:t>tiêu</a:t>
             </a:r>
             <a:r>
               <a:rPr lang="en-US" dirty="0" smtClean="0"/>
@@ -8998,31 +9062,70 @@
             </a:r>
             <a:r>
               <a:rPr lang="en-US" dirty="0" err="1" smtClean="0"/>
-              <a:t>hê</a:t>
+              <a:t>đề</a:t>
             </a:r>
             <a:r>
               <a:rPr lang="en-US" dirty="0" smtClean="0"/>
-              <a:t>̣ </a:t>
+              <a:t> </a:t>
             </a:r>
             <a:r>
               <a:rPr lang="en-US" dirty="0" err="1" smtClean="0"/>
-              <a:t>thống</a:t>
+              <a:t>tài</a:t>
             </a:r>
             <a:endParaRPr lang="en-US" dirty="0" smtClean="0"/>
           </a:p>
           <a:p>
-            <a:pPr>
-              <a:buFont typeface="Wingdings" panose="05000000000000000000" pitchFamily="2" charset="2"/>
+            <a:pPr lvl="1">
+              <a:buFont typeface="Wingdings" pitchFamily="2" charset="2"/>
+              <a:buChar char="q"/>
+            </a:pPr>
+            <a:r>
+              <a:rPr lang="en-US" dirty="0" err="1" smtClean="0"/>
+              <a:t>Nội</a:t>
+            </a:r>
+            <a:r>
+              <a:rPr lang="en-US" dirty="0" smtClean="0"/>
+              <a:t> dung </a:t>
+            </a:r>
+            <a:r>
+              <a:rPr lang="en-US" dirty="0" err="1" smtClean="0"/>
+              <a:t>thực</a:t>
+            </a:r>
+            <a:r>
+              <a:rPr lang="en-US" dirty="0" smtClean="0"/>
+              <a:t> </a:t>
+            </a:r>
+            <a:r>
+              <a:rPr lang="en-US" dirty="0" err="1" smtClean="0"/>
+              <a:t>hiện</a:t>
+            </a:r>
+            <a:endParaRPr lang="en-US" dirty="0"/>
+          </a:p>
+          <a:p>
+            <a:pPr lvl="1">
+              <a:buFont typeface="Wingdings" pitchFamily="2" charset="2"/>
+              <a:buChar char="q"/>
+            </a:pPr>
+            <a:r>
+              <a:rPr lang="en-US" dirty="0" err="1" smtClean="0"/>
+              <a:t>Kết</a:t>
+            </a:r>
+            <a:r>
+              <a:rPr lang="en-US" dirty="0" smtClean="0"/>
+              <a:t> </a:t>
+            </a:r>
+            <a:r>
+              <a:rPr lang="en-US" dirty="0" err="1" smtClean="0"/>
+              <a:t>quả</a:t>
+            </a:r>
+            <a:endParaRPr lang="en-US" dirty="0" smtClean="0"/>
+          </a:p>
+          <a:p>
+            <a:pPr lvl="1">
+              <a:buFont typeface="Wingdings" pitchFamily="2" charset="2"/>
               <a:buChar char="q"/>
             </a:pPr>
             <a:endParaRPr lang="en-US" dirty="0" smtClean="0"/>
-          </a:p>
-          <a:p>
-            <a:pPr>
-              <a:buFont typeface="Wingdings" panose="05000000000000000000" pitchFamily="2" charset="2"/>
-              <a:buChar char="q"/>
-            </a:pPr>
-            <a:endParaRPr lang="en-US" dirty="0"/>
           </a:p>
         </p:txBody>
       </p:sp>
@@ -11224,7 +11327,7 @@
     </a:clrScheme>
     <a:fontScheme name="Retrospect">
       <a:majorFont>
-        <a:latin typeface="Calibri Light" panose="020F0302020204030204"/>
+        <a:latin typeface="Calibri Light"/>
         <a:ea typeface=""/>
         <a:cs typeface=""/>
         <a:font script="Jpan" typeface="ＭＳ Ｐゴシック"/>
@@ -11259,7 +11362,7 @@
         <a:font script="Geor" typeface="Sylfaen"/>
       </a:majorFont>
       <a:minorFont>
-        <a:latin typeface="Calibri" panose="020F0502020204030204"/>
+        <a:latin typeface="Calibri"/>
         <a:ea typeface=""/>
         <a:cs typeface=""/>
         <a:font script="Jpan" typeface="ＭＳ Ｐゴシック"/>
@@ -11458,7 +11561,7 @@
   <a:extraClrSchemeLst/>
   <a:extLst>
     <a:ext uri="{05A4C25C-085E-4340-85A3-A5531E510DB2}">
-      <thm15:themeFamily xmlns:thm15="http://schemas.microsoft.com/office/thememl/2012/main" name="Retrospect" id="{5F128B03-DCCA-4EEB-AB3B-CF2899314A46}" vid="{D26EA377-59BD-4C9C-9D94-EE8416EE4C79}"/>
+      <thm15:themeFamily xmlns:thm15="http://schemas.microsoft.com/office/thememl/2012/main" xmlns="" name="Retrospect" id="{5F128B03-DCCA-4EEB-AB3B-CF2899314A46}" vid="{D26EA377-59BD-4C9C-9D94-EE8416EE4C79}"/>
     </a:ext>
   </a:extLst>
 </a:theme>

--- a/Document/slide/Job-rec-slide.pptx
+++ b/Document/slide/Job-rec-slide.pptx
@@ -122,7 +122,7 @@
   </p:defaultTextStyle>
   <p:extLst>
     <p:ext uri="{EFAFB233-063F-42B5-8137-9DF3F51BA10A}">
-      <p15:sldGuideLst xmlns:p15="http://schemas.microsoft.com/office/powerpoint/2012/main" xmlns="">
+      <p15:sldGuideLst xmlns:p15="http://schemas.microsoft.com/office/powerpoint/2012/main">
         <p15:guide id="1" orient="horz" pos="2160">
           <p15:clr>
             <a:srgbClr val="A4A3A4"/>
@@ -221,7 +221,7 @@
           <a:p>
             <a:fld id="{A37B6CB2-F58A-4705-B590-52A54200B10C}" type="datetimeFigureOut">
               <a:rPr lang="en-US" smtClean="0"/>
-              <a:t>10/13/2015</a:t>
+              <a:t>11/28/2015</a:t>
             </a:fld>
             <a:endParaRPr lang="en-US"/>
           </a:p>
@@ -1708,7 +1708,7 @@
           <a:p>
             <a:fld id="{7CAD5CD7-1429-41A0-9EEC-F1BD8695CC85}" type="datetimeFigureOut">
               <a:rPr lang="en-US" smtClean="0"/>
-              <a:t>10/13/2015</a:t>
+              <a:t>11/28/2015</a:t>
             </a:fld>
             <a:endParaRPr lang="en-US"/>
           </a:p>
@@ -1957,7 +1957,7 @@
           <a:p>
             <a:fld id="{7CAD5CD7-1429-41A0-9EEC-F1BD8695CC85}" type="datetimeFigureOut">
               <a:rPr lang="en-US" smtClean="0"/>
-              <a:t>10/13/2015</a:t>
+              <a:t>11/28/2015</a:t>
             </a:fld>
             <a:endParaRPr lang="en-US"/>
           </a:p>
@@ -2213,7 +2213,7 @@
           <a:p>
             <a:fld id="{7CAD5CD7-1429-41A0-9EEC-F1BD8695CC85}" type="datetimeFigureOut">
               <a:rPr lang="en-US" smtClean="0"/>
-              <a:t>10/13/2015</a:t>
+              <a:t>11/28/2015</a:t>
             </a:fld>
             <a:endParaRPr lang="en-US"/>
           </a:p>
@@ -2383,7 +2383,7 @@
           <a:p>
             <a:fld id="{7CAD5CD7-1429-41A0-9EEC-F1BD8695CC85}" type="datetimeFigureOut">
               <a:rPr lang="en-US" smtClean="0"/>
-              <a:t>10/13/2015</a:t>
+              <a:t>11/28/2015</a:t>
             </a:fld>
             <a:endParaRPr lang="en-US"/>
           </a:p>
@@ -2759,7 +2759,7 @@
           <a:p>
             <a:fld id="{7CAD5CD7-1429-41A0-9EEC-F1BD8695CC85}" type="datetimeFigureOut">
               <a:rPr lang="en-US" smtClean="0"/>
-              <a:t>10/13/2015</a:t>
+              <a:t>11/28/2015</a:t>
             </a:fld>
             <a:endParaRPr lang="en-US"/>
           </a:p>
@@ -3075,7 +3075,7 @@
           <a:p>
             <a:fld id="{7CAD5CD7-1429-41A0-9EEC-F1BD8695CC85}" type="datetimeFigureOut">
               <a:rPr lang="en-US" smtClean="0"/>
-              <a:t>10/13/2015</a:t>
+              <a:t>11/28/2015</a:t>
             </a:fld>
             <a:endParaRPr lang="en-US"/>
           </a:p>
@@ -3495,7 +3495,7 @@
           <a:p>
             <a:fld id="{7CAD5CD7-1429-41A0-9EEC-F1BD8695CC85}" type="datetimeFigureOut">
               <a:rPr lang="en-US" smtClean="0"/>
-              <a:t>10/13/2015</a:t>
+              <a:t>11/28/2015</a:t>
             </a:fld>
             <a:endParaRPr lang="en-US"/>
           </a:p>
@@ -3654,7 +3654,7 @@
           <a:p>
             <a:fld id="{7CAD5CD7-1429-41A0-9EEC-F1BD8695CC85}" type="datetimeFigureOut">
               <a:rPr lang="en-US" smtClean="0"/>
-              <a:t>10/13/2015</a:t>
+              <a:t>11/28/2015</a:t>
             </a:fld>
             <a:endParaRPr lang="en-US"/>
           </a:p>
@@ -3825,7 +3825,7 @@
           <a:p>
             <a:fld id="{7CAD5CD7-1429-41A0-9EEC-F1BD8695CC85}" type="datetimeFigureOut">
               <a:rPr lang="en-US" smtClean="0"/>
-              <a:t>10/13/2015</a:t>
+              <a:t>11/28/2015</a:t>
             </a:fld>
             <a:endParaRPr lang="en-US"/>
           </a:p>
@@ -4220,7 +4220,7 @@
           <a:p>
             <a:fld id="{7CAD5CD7-1429-41A0-9EEC-F1BD8695CC85}" type="datetimeFigureOut">
               <a:rPr lang="en-US" smtClean="0"/>
-              <a:t>10/13/2015</a:t>
+              <a:t>11/28/2015</a:t>
             </a:fld>
             <a:endParaRPr lang="en-US"/>
           </a:p>
@@ -4638,7 +4638,7 @@
           <a:p>
             <a:fld id="{7CAD5CD7-1429-41A0-9EEC-F1BD8695CC85}" type="datetimeFigureOut">
               <a:rPr lang="en-US" smtClean="0"/>
-              <a:t>10/13/2015</a:t>
+              <a:t>11/28/2015</a:t>
             </a:fld>
             <a:endParaRPr lang="en-US"/>
           </a:p>
@@ -4969,7 +4969,7 @@
           <a:p>
             <a:fld id="{7CAD5CD7-1429-41A0-9EEC-F1BD8695CC85}" type="datetimeFigureOut">
               <a:rPr lang="en-US" smtClean="0"/>
-              <a:t>10/13/2015</a:t>
+              <a:t>11/28/2015</a:t>
             </a:fld>
             <a:endParaRPr lang="en-US"/>
           </a:p>
@@ -8910,18 +8910,9 @@
               <a:buChar char="q"/>
             </a:pPr>
             <a:r>
-              <a:rPr lang="en-US" dirty="0" err="1" smtClean="0"/>
-              <a:t>Giới</a:t>
-            </a:r>
-            <a:r>
-              <a:rPr lang="en-US" dirty="0" smtClean="0"/>
-              <a:t> </a:t>
-            </a:r>
-            <a:r>
-              <a:rPr lang="en-US" dirty="0" err="1" smtClean="0"/>
-              <a:t>thiệu</a:t>
-            </a:r>
-            <a:endParaRPr lang="en-US" dirty="0" smtClean="0"/>
+              <a:rPr lang="vi-VN" dirty="0" smtClean="0"/>
+              <a:t> Giới thiệu</a:t>
+            </a:r>
           </a:p>
           <a:p>
             <a:pPr lvl="2">
@@ -8929,52 +8920,8 @@
               <a:buChar char="q"/>
             </a:pPr>
             <a:r>
-              <a:rPr lang="en-US" dirty="0" err="1" smtClean="0"/>
-              <a:t>Khuyến</a:t>
-            </a:r>
-            <a:r>
-              <a:rPr lang="en-US" dirty="0" smtClean="0"/>
-              <a:t> </a:t>
-            </a:r>
-            <a:r>
-              <a:rPr lang="en-US" dirty="0" err="1"/>
-              <a:t>nghị</a:t>
-            </a:r>
-            <a:r>
-              <a:rPr lang="en-US" dirty="0"/>
-              <a:t> </a:t>
-            </a:r>
-            <a:r>
-              <a:rPr lang="en-US" dirty="0" err="1"/>
-              <a:t>việc</a:t>
-            </a:r>
-            <a:r>
-              <a:rPr lang="en-US" dirty="0"/>
-              <a:t> </a:t>
-            </a:r>
-            <a:r>
-              <a:rPr lang="en-US" dirty="0" err="1"/>
-              <a:t>làm</a:t>
-            </a:r>
-            <a:r>
-              <a:rPr lang="en-US" dirty="0"/>
-              <a:t> </a:t>
-            </a:r>
-            <a:r>
-              <a:rPr lang="en-US" dirty="0" err="1"/>
-              <a:t>là</a:t>
-            </a:r>
-            <a:r>
-              <a:rPr lang="en-US" dirty="0"/>
-              <a:t> </a:t>
-            </a:r>
-            <a:r>
-              <a:rPr lang="en-US" dirty="0" err="1"/>
-              <a:t>gì</a:t>
-            </a:r>
-            <a:r>
-              <a:rPr lang="en-US" dirty="0" smtClean="0"/>
-              <a:t>?</a:t>
+              <a:rPr lang="vi-VN" dirty="0" smtClean="0"/>
+              <a:t>Đặt vấn đề</a:t>
             </a:r>
           </a:p>
           <a:p>
@@ -8983,61 +8930,20 @@
               <a:buChar char="q"/>
             </a:pPr>
             <a:r>
-              <a:rPr lang="en-US" dirty="0" err="1" smtClean="0"/>
-              <a:t>Tại</a:t>
-            </a:r>
-            <a:r>
-              <a:rPr lang="en-US" dirty="0" smtClean="0"/>
-              <a:t> </a:t>
-            </a:r>
-            <a:r>
-              <a:rPr lang="en-US" dirty="0" err="1" smtClean="0"/>
-              <a:t>sao</a:t>
-            </a:r>
-            <a:r>
-              <a:rPr lang="en-US" dirty="0" smtClean="0"/>
-              <a:t> </a:t>
-            </a:r>
-            <a:r>
-              <a:rPr lang="en-US" dirty="0" err="1" smtClean="0"/>
-              <a:t>cần</a:t>
-            </a:r>
-            <a:r>
-              <a:rPr lang="en-US" dirty="0" smtClean="0"/>
-              <a:t> </a:t>
-            </a:r>
-            <a:r>
-              <a:rPr lang="en-US" dirty="0" err="1" smtClean="0"/>
-              <a:t>khuyến</a:t>
-            </a:r>
-            <a:r>
-              <a:rPr lang="en-US" dirty="0" smtClean="0"/>
-              <a:t> </a:t>
-            </a:r>
-            <a:r>
-              <a:rPr lang="en-US" dirty="0" err="1" smtClean="0"/>
-              <a:t>nghị</a:t>
-            </a:r>
-            <a:r>
-              <a:rPr lang="en-US" dirty="0" smtClean="0"/>
-              <a:t> </a:t>
-            </a:r>
-            <a:r>
-              <a:rPr lang="en-US" dirty="0" err="1" smtClean="0"/>
-              <a:t>việc</a:t>
-            </a:r>
-            <a:r>
-              <a:rPr lang="en-US" dirty="0" smtClean="0"/>
-              <a:t> </a:t>
-            </a:r>
-            <a:r>
-              <a:rPr lang="en-US" dirty="0" err="1" smtClean="0"/>
-              <a:t>làm</a:t>
-            </a:r>
-            <a:r>
-              <a:rPr lang="en-US" dirty="0" smtClean="0"/>
-              <a:t>?</a:t>
-            </a:r>
+              <a:rPr lang="vi-VN" dirty="0" smtClean="0"/>
+              <a:t>Mục tiêu và phạm vi</a:t>
+            </a:r>
+          </a:p>
+          <a:p>
+            <a:pPr lvl="2">
+              <a:buFont typeface="Wingdings" pitchFamily="2" charset="2"/>
+              <a:buChar char="q"/>
+            </a:pPr>
+            <a:r>
+              <a:rPr lang="vi-VN" dirty="0" smtClean="0"/>
+              <a:t>Kết quả đạt được</a:t>
+            </a:r>
+            <a:endParaRPr lang="vi-VN" dirty="0" smtClean="0"/>
           </a:p>
           <a:p>
             <a:pPr lvl="1">
@@ -9045,34 +8951,39 @@
               <a:buChar char="q"/>
             </a:pPr>
             <a:r>
-              <a:rPr lang="en-US" dirty="0" err="1" smtClean="0"/>
-              <a:t>Mục</a:t>
-            </a:r>
-            <a:r>
-              <a:rPr lang="en-US" dirty="0" smtClean="0"/>
-              <a:t> </a:t>
-            </a:r>
-            <a:r>
-              <a:rPr lang="en-US" dirty="0" err="1" smtClean="0"/>
-              <a:t>tiêu</a:t>
-            </a:r>
-            <a:r>
-              <a:rPr lang="en-US" dirty="0" smtClean="0"/>
-              <a:t> </a:t>
-            </a:r>
-            <a:r>
-              <a:rPr lang="en-US" dirty="0" err="1" smtClean="0"/>
-              <a:t>đề</a:t>
-            </a:r>
-            <a:r>
-              <a:rPr lang="en-US" dirty="0" smtClean="0"/>
-              <a:t> </a:t>
-            </a:r>
-            <a:r>
-              <a:rPr lang="en-US" dirty="0" err="1" smtClean="0"/>
-              <a:t>tài</a:t>
-            </a:r>
-            <a:endParaRPr lang="en-US" dirty="0" smtClean="0"/>
+              <a:rPr lang="vi-VN" dirty="0" smtClean="0"/>
+              <a:t>Nội dung thực hiện</a:t>
+            </a:r>
+          </a:p>
+          <a:p>
+            <a:pPr lvl="2">
+              <a:buFont typeface="Wingdings" pitchFamily="2" charset="2"/>
+              <a:buChar char="q"/>
+            </a:pPr>
+            <a:r>
+              <a:rPr lang="vi-VN" dirty="0" smtClean="0"/>
+              <a:t>Kiến trúc hệ thống tổng quan</a:t>
+            </a:r>
+          </a:p>
+          <a:p>
+            <a:pPr lvl="2">
+              <a:buFont typeface="Wingdings" pitchFamily="2" charset="2"/>
+              <a:buChar char="q"/>
+            </a:pPr>
+            <a:r>
+              <a:rPr lang="vi-VN" dirty="0" smtClean="0"/>
+              <a:t>Thu thập việc làm: 3 câu hỏi, làm cách này lấy dữ liệu, làm cách nào để đánh giá.</a:t>
+            </a:r>
+          </a:p>
+          <a:p>
+            <a:pPr lvl="2">
+              <a:buFont typeface="Wingdings" pitchFamily="2" charset="2"/>
+              <a:buChar char="q"/>
+            </a:pPr>
+            <a:r>
+              <a:rPr lang="vi-VN" dirty="0" smtClean="0"/>
+              <a:t>Hệ thống gán nhãn dữ liệu: mục tiêu, sơ đồ, mô tả phương pháp, kỹ thuật, kết quả đạt được.</a:t>
+            </a:r>
           </a:p>
           <a:p>
             <a:pPr lvl="1">
@@ -9080,26 +8991,10 @@
               <a:buChar char="q"/>
             </a:pPr>
             <a:r>
-              <a:rPr lang="en-US" dirty="0" err="1" smtClean="0"/>
-              <a:t>Nội</a:t>
-            </a:r>
-            <a:r>
-              <a:rPr lang="en-US" dirty="0" smtClean="0"/>
-              <a:t> dung </a:t>
-            </a:r>
-            <a:r>
-              <a:rPr lang="en-US" dirty="0" err="1" smtClean="0"/>
-              <a:t>thực</a:t>
-            </a:r>
-            <a:r>
-              <a:rPr lang="en-US" dirty="0" smtClean="0"/>
-              <a:t> </a:t>
-            </a:r>
-            <a:r>
-              <a:rPr lang="en-US" dirty="0" err="1" smtClean="0"/>
-              <a:t>hiện</a:t>
-            </a:r>
-            <a:endParaRPr lang="en-US" dirty="0"/>
+              <a:rPr lang="vi-VN" dirty="0" smtClean="0"/>
+              <a:t>Kết luận và hướng phát triển</a:t>
+            </a:r>
+            <a:endParaRPr lang="en-US" dirty="0" smtClean="0"/>
           </a:p>
           <a:p>
             <a:pPr lvl="1">
@@ -9107,17 +9002,39 @@
               <a:buChar char="q"/>
             </a:pPr>
             <a:r>
-              <a:rPr lang="en-US" dirty="0" err="1" smtClean="0"/>
-              <a:t>Kết</a:t>
-            </a:r>
-            <a:r>
               <a:rPr lang="en-US" dirty="0" smtClean="0"/>
-              <a:t> </a:t>
-            </a:r>
-            <a:r>
-              <a:rPr lang="en-US" dirty="0" err="1" smtClean="0"/>
-              <a:t>quả</a:t>
-            </a:r>
+              <a:t>Demo</a:t>
+            </a:r>
+          </a:p>
+          <a:p>
+            <a:pPr lvl="1">
+              <a:buFont typeface="Wingdings" pitchFamily="2" charset="2"/>
+              <a:buChar char="q"/>
+            </a:pPr>
+            <a:r>
+              <a:rPr lang="en-US" dirty="0" smtClean="0"/>
+              <a:t>Q&amp;A</a:t>
+            </a:r>
+            <a:endParaRPr lang="vi-VN" dirty="0" smtClean="0"/>
+          </a:p>
+          <a:p>
+            <a:pPr lvl="2">
+              <a:buFont typeface="Wingdings" pitchFamily="2" charset="2"/>
+              <a:buChar char="q"/>
+            </a:pPr>
+            <a:endParaRPr lang="en-US" dirty="0" smtClean="0"/>
+          </a:p>
+          <a:p>
+            <a:pPr marL="566928" lvl="3" indent="0">
+              <a:buNone/>
+            </a:pPr>
+            <a:endParaRPr lang="en-US" dirty="0" smtClean="0"/>
+          </a:p>
+          <a:p>
+            <a:pPr lvl="3">
+              <a:buFont typeface="Wingdings" pitchFamily="2" charset="2"/>
+              <a:buChar char="q"/>
+            </a:pPr>
             <a:endParaRPr lang="en-US" dirty="0" smtClean="0"/>
           </a:p>
           <a:p>
@@ -11561,7 +11478,7 @@
   <a:extraClrSchemeLst/>
   <a:extLst>
     <a:ext uri="{05A4C25C-085E-4340-85A3-A5531E510DB2}">
-      <thm15:themeFamily xmlns:thm15="http://schemas.microsoft.com/office/thememl/2012/main" xmlns="" name="Retrospect" id="{5F128B03-DCCA-4EEB-AB3B-CF2899314A46}" vid="{D26EA377-59BD-4C9C-9D94-EE8416EE4C79}"/>
+      <thm15:themeFamily xmlns:thm15="http://schemas.microsoft.com/office/thememl/2012/main" name="Retrospect" id="{5F128B03-DCCA-4EEB-AB3B-CF2899314A46}" vid="{D26EA377-59BD-4C9C-9D94-EE8416EE4C79}"/>
     </a:ext>
   </a:extLst>
 </a:theme>
